--- a/Micro-Credit-Defaulter/Presentation1 (1).pptx
+++ b/Micro-Credit-Defaulter/Presentation1 (1).pptx
@@ -5,24 +5,26 @@
     <p:sldMasterId id="2147483648" r:id="rId1"/>
   </p:sldMasterIdLst>
   <p:sldIdLst>
-    <p:sldId id="256" r:id="rId2"/>
-    <p:sldId id="257" r:id="rId3"/>
-    <p:sldId id="258" r:id="rId4"/>
-    <p:sldId id="259" r:id="rId5"/>
-    <p:sldId id="260" r:id="rId6"/>
-    <p:sldId id="261" r:id="rId7"/>
-    <p:sldId id="262" r:id="rId8"/>
-    <p:sldId id="263" r:id="rId9"/>
-    <p:sldId id="264" r:id="rId10"/>
-    <p:sldId id="265" r:id="rId11"/>
-    <p:sldId id="266" r:id="rId12"/>
-    <p:sldId id="270" r:id="rId13"/>
-    <p:sldId id="267" r:id="rId14"/>
-    <p:sldId id="271" r:id="rId15"/>
-    <p:sldId id="268" r:id="rId16"/>
-    <p:sldId id="272" r:id="rId17"/>
-    <p:sldId id="269" r:id="rId18"/>
-    <p:sldId id="273" r:id="rId19"/>
+    <p:sldId id="256" r:id="rId3"/>
+    <p:sldId id="257" r:id="rId4"/>
+    <p:sldId id="258" r:id="rId5"/>
+    <p:sldId id="259" r:id="rId6"/>
+    <p:sldId id="260" r:id="rId7"/>
+    <p:sldId id="261" r:id="rId8"/>
+    <p:sldId id="262" r:id="rId9"/>
+    <p:sldId id="263" r:id="rId10"/>
+    <p:sldId id="264" r:id="rId11"/>
+    <p:sldId id="265" r:id="rId12"/>
+    <p:sldId id="266" r:id="rId13"/>
+    <p:sldId id="270" r:id="rId14"/>
+    <p:sldId id="267" r:id="rId15"/>
+    <p:sldId id="271" r:id="rId16"/>
+    <p:sldId id="268" r:id="rId17"/>
+    <p:sldId id="272" r:id="rId18"/>
+    <p:sldId id="269" r:id="rId19"/>
+    <p:sldId id="273" r:id="rId20"/>
+    <p:sldId id="277" r:id="rId21"/>
+    <p:sldId id="278" r:id="rId22"/>
   </p:sldIdLst>
   <p:sldSz cx="12192000" cy="6858000"/>
   <p:notesSz cx="6858000" cy="9144000"/>
@@ -121,18 +123,13 @@
       </a:defRPr>
     </a:lvl9pPr>
   </p:defaultTextStyle>
-  <p:extLst>
-    <p:ext uri="{EFAFB233-063F-42B5-8137-9DF3F51BA10A}">
-      <p15:sldGuideLst xmlns:p15="http://schemas.microsoft.com/office/powerpoint/2012/main" xmlns=""/>
-    </p:ext>
-  </p:extLst>
 </p:presentation>
 </file>
 
 <file path=ppt/charts/chart1.xml><?xml version="1.0" encoding="utf-8"?>
 <c:chartSpace xmlns:c="http://schemas.openxmlformats.org/drawingml/2006/chart" xmlns:a="http://schemas.openxmlformats.org/drawingml/2006/main" xmlns:r="http://schemas.openxmlformats.org/officeDocument/2006/relationships">
   <c:date1904 val="0"/>
-  <c:lang val="en-IN"/>
+  <c:lang val="zh-CN"/>
   <c:roundedCorners val="0"/>
   <mc:AlternateContent xmlns:mc="http://schemas.openxmlformats.org/markup-compatibility/2006">
     <mc:Choice xmlns:c14="http://schemas.microsoft.com/office/drawing/2007/8/2/chart" Requires="c14">
@@ -144,49 +141,9 @@
   </mc:AlternateContent>
   <c:chart>
     <c:autoTitleDeleted val="1"/>
-    <c:view3D>
-      <c:rotX val="50"/>
-      <c:rotY val="0"/>
-      <c:depthPercent val="100"/>
-      <c:rAngAx val="0"/>
-      <c:perspective val="30"/>
-    </c:view3D>
-    <c:floor>
-      <c:thickness val="0"/>
-      <c:spPr>
-        <a:noFill/>
-        <a:ln>
-          <a:noFill/>
-        </a:ln>
-        <a:effectLst/>
-        <a:sp3d/>
-      </c:spPr>
-    </c:floor>
-    <c:sideWall>
-      <c:thickness val="0"/>
-      <c:spPr>
-        <a:noFill/>
-        <a:ln>
-          <a:noFill/>
-        </a:ln>
-        <a:effectLst/>
-        <a:sp3d/>
-      </c:spPr>
-    </c:sideWall>
-    <c:backWall>
-      <c:thickness val="0"/>
-      <c:spPr>
-        <a:noFill/>
-        <a:ln>
-          <a:noFill/>
-        </a:ln>
-        <a:effectLst/>
-        <a:sp3d/>
-      </c:spPr>
-    </c:backWall>
     <c:plotArea>
       <c:layout/>
-      <c:pie3DChart>
+      <c:pieChart>
         <c:varyColors val="1"/>
         <c:ser>
           <c:idx val="0"/>
@@ -202,6 +159,8 @@
               </c:strCache>
             </c:strRef>
           </c:tx>
+          <c:spPr/>
+          <c:explosion val="0"/>
           <c:dPt>
             <c:idx val="0"/>
             <c:bubble3D val="0"/>
@@ -276,7 +235,7 @@
               <a:lstStyle/>
               <a:p>
                 <a:pPr>
-                  <a:defRPr sz="1330" b="1" i="0" u="none" strike="noStrike" kern="1200" baseline="0">
+                  <a:defRPr lang="en-US" sz="1330" b="1" i="0" u="none" strike="noStrike" kern="1200" baseline="0">
                     <a:solidFill>
                       <a:schemeClr val="lt1"/>
                     </a:solidFill>
@@ -285,7 +244,6 @@
                     <a:cs typeface="+mn-cs"/>
                   </a:defRPr>
                 </a:pPr>
-                <a:endParaRPr lang="en-US"/>
               </a:p>
             </c:txPr>
             <c:dLblPos val="bestFit"/>
@@ -296,22 +254,23 @@
             <c:showPercent val="0"/>
             <c:showBubbleSize val="0"/>
             <c:showLeaderLines val="1"/>
-            <c:leaderLines>
-              <c:spPr>
-                <a:ln w="9525">
-                  <a:solidFill>
-                    <a:schemeClr val="dk1">
-                      <a:lumMod val="50000"/>
-                      <a:lumOff val="50000"/>
-                    </a:schemeClr>
-                  </a:solidFill>
-                </a:ln>
-                <a:effectLst/>
-              </c:spPr>
-            </c:leaderLines>
             <c:extLst>
               <c:ext xmlns:c15="http://schemas.microsoft.com/office/drawing/2012/chart" uri="{CE6537A1-D6FC-4f65-9D91-7224C49458BB}">
                 <c15:layout/>
+                <c15:showLeaderLines val="1"/>
+                <c15:leaderLines>
+                  <c:spPr>
+                    <a:ln w="9525">
+                      <a:solidFill>
+                        <a:schemeClr val="dk1">
+                          <a:lumMod val="50000"/>
+                          <a:lumOff val="50000"/>
+                        </a:schemeClr>
+                      </a:solidFill>
+                    </a:ln>
+                    <a:effectLst/>
+                  </c:spPr>
+                </c15:leaderLines>
               </c:ext>
             </c:extLst>
           </c:dLbls>
@@ -347,7 +306,6 @@
           </c:val>
         </c:ser>
         <c:dLbls>
-          <c:dLblPos val="bestFit"/>
           <c:showLegendKey val="0"/>
           <c:showVal val="1"/>
           <c:showCatName val="0"/>
@@ -356,7 +314,8 @@
           <c:showBubbleSize val="0"/>
           <c:showLeaderLines val="1"/>
         </c:dLbls>
-      </c:pie3DChart>
+        <c:firstSliceAng val="0"/>
+      </c:pieChart>
       <c:spPr>
         <a:noFill/>
         <a:ln>
@@ -405,9 +364,8 @@
     <a:lstStyle/>
     <a:p>
       <a:pPr>
-        <a:defRPr/>
+        <a:defRPr lang="en-US"/>
       </a:pPr>
-      <a:endParaRPr lang="en-US"/>
     </a:p>
   </c:txPr>
   <c:externalData r:id="rId1">
@@ -465,7 +423,7 @@
         <a:lumOff val="25000"/>
       </a:schemeClr>
     </cs:fontRef>
-    <cs:defRPr sz="1197" b="1" kern="1200"/>
+    <cs:defRPr sz="1195" b="1" kern="1200"/>
   </cs:axisTitle>
   <cs:categoryAxis>
     <cs:lnRef idx="0"/>
@@ -488,7 +446,7 @@
         <a:round/>
       </a:ln>
     </cs:spPr>
-    <cs:defRPr sz="1197" kern="1200" cap="all" baseline="0"/>
+    <cs:defRPr sz="1195" kern="1200" cap="all" baseline="0"/>
   </cs:categoryAxis>
   <cs:chartArea>
     <cs:lnRef idx="0"/>
@@ -527,7 +485,7 @@
         <a:round/>
       </a:ln>
     </cs:spPr>
-    <cs:defRPr sz="1197" kern="1200"/>
+    <cs:defRPr sz="1195" kern="1200"/>
   </cs:chartArea>
   <cs:dataLabel>
     <cs:lnRef idx="0"/>
@@ -716,7 +674,7 @@
         </a:solidFill>
       </a:ln>
     </cs:spPr>
-    <cs:defRPr sz="1197" kern="1200"/>
+    <cs:defRPr sz="1195" kern="1200"/>
   </cs:dataTable>
   <cs:downBar>
     <cs:lnRef idx="0"/>
@@ -904,7 +862,7 @@
         </a:schemeClr>
       </a:solidFill>
     </cs:spPr>
-    <cs:defRPr sz="1197" kern="1200"/>
+    <cs:defRPr sz="1195" kern="1200"/>
   </cs:legend>
   <cs:plotArea>
     <cs:lnRef idx="0"/>
@@ -943,7 +901,7 @@
         <a:round/>
       </a:ln>
     </cs:spPr>
-    <cs:defRPr sz="1197" kern="1200"/>
+    <cs:defRPr sz="1195" kern="1200"/>
   </cs:seriesAxis>
   <cs:seriesLine>
     <cs:lnRef idx="0"/>
@@ -1003,7 +961,7 @@
         <a:lumOff val="25000"/>
       </a:schemeClr>
     </cs:fontRef>
-    <cs:defRPr sz="1197" kern="1200"/>
+    <cs:defRPr sz="1195" kern="1200"/>
   </cs:trendlineLabel>
   <cs:upBar>
     <cs:lnRef idx="0"/>
@@ -1041,7 +999,7 @@
         <a:noFill/>
       </a:ln>
     </cs:spPr>
-    <cs:defRPr sz="1197" kern="1200"/>
+    <cs:defRPr sz="1195" kern="1200"/>
   </cs:valueAxis>
   <cs:wall>
     <cs:lnRef idx="0"/>
@@ -1224,7 +1182,6 @@
           <a:p>
             <a:fld id="{48A87A34-81AB-432B-8DAE-1953F412C126}" type="datetimeFigureOut">
               <a:rPr lang="en-US" dirty="0"/>
-              <a:t>11/14/2020</a:t>
             </a:fld>
             <a:endParaRPr lang="en-US" dirty="0"/>
           </a:p>
@@ -1276,7 +1233,6 @@
           <a:p>
             <a:fld id="{6D22F896-40B5-4ADD-8801-0D06FADFA095}" type="slidenum">
               <a:rPr lang="en-US" dirty="0"/>
-              <a:t>‹#›</a:t>
             </a:fld>
             <a:endParaRPr lang="en-US" dirty="0"/>
           </a:p>
@@ -1466,6 +1422,7 @@
               <a:rPr lang="en-US" smtClean="0"/>
               <a:t>Click to edit Master text styles</a:t>
             </a:r>
+            <a:endParaRPr lang="en-US" smtClean="0"/>
           </a:p>
         </p:txBody>
       </p:sp>
@@ -1486,7 +1443,6 @@
           <a:p>
             <a:fld id="{48A87A34-81AB-432B-8DAE-1953F412C126}" type="datetimeFigureOut">
               <a:rPr lang="en-US" dirty="0"/>
-              <a:t>11/14/2020</a:t>
             </a:fld>
             <a:endParaRPr lang="en-US" dirty="0"/>
           </a:p>
@@ -1528,7 +1484,6 @@
           <a:p>
             <a:fld id="{6D22F896-40B5-4ADD-8801-0D06FADFA095}" type="slidenum">
               <a:rPr lang="en-US" dirty="0"/>
-              <a:t>‹#›</a:t>
             </a:fld>
             <a:endParaRPr lang="en-US" dirty="0"/>
           </a:p>
@@ -1543,7 +1498,7 @@
 </file>
 
 <file path=ppt/slideLayouts/slideLayout11.xml><?xml version="1.0" encoding="utf-8"?>
-<p:sldLayout xmlns:a="http://schemas.openxmlformats.org/drawingml/2006/main" xmlns:r="http://schemas.openxmlformats.org/officeDocument/2006/relationships" xmlns:p="http://schemas.openxmlformats.org/presentationml/2006/main" showMasterSp="0" preserve="1">
+<p:sldLayout xmlns:a="http://schemas.openxmlformats.org/drawingml/2006/main" xmlns:r="http://schemas.openxmlformats.org/officeDocument/2006/relationships" xmlns:p="http://schemas.openxmlformats.org/presentationml/2006/main" preserve="1" showMasterSp="0">
   <p:cSld name="Title and Caption">
     <p:spTree>
       <p:nvGrpSpPr>
@@ -1683,6 +1638,7 @@
               <a:rPr lang="en-US" smtClean="0"/>
               <a:t>Click to edit Master text styles</a:t>
             </a:r>
+            <a:endParaRPr lang="en-US" smtClean="0"/>
           </a:p>
         </p:txBody>
       </p:sp>
@@ -1712,8 +1668,6 @@
           <a:p>
             <a:fld id="{48A87A34-81AB-432B-8DAE-1953F412C126}" type="datetimeFigureOut">
               <a:rPr lang="en-US" dirty="0"/>
-              <a:pPr/>
-              <a:t>11/14/2020</a:t>
             </a:fld>
             <a:endParaRPr lang="en-US" dirty="0"/>
           </a:p>
@@ -1765,7 +1719,6 @@
           <a:p>
             <a:fld id="{6D22F896-40B5-4ADD-8801-0D06FADFA095}" type="slidenum">
               <a:rPr lang="en-US" dirty="0"/>
-              <a:t>‹#›</a:t>
             </a:fld>
             <a:endParaRPr lang="en-US" dirty="0"/>
           </a:p>
@@ -1780,7 +1733,7 @@
 </file>
 
 <file path=ppt/slideLayouts/slideLayout12.xml><?xml version="1.0" encoding="utf-8"?>
-<p:sldLayout xmlns:a="http://schemas.openxmlformats.org/drawingml/2006/main" xmlns:r="http://schemas.openxmlformats.org/officeDocument/2006/relationships" xmlns:p="http://schemas.openxmlformats.org/presentationml/2006/main" showMasterSp="0" preserve="1">
+<p:sldLayout xmlns:a="http://schemas.openxmlformats.org/drawingml/2006/main" xmlns:r="http://schemas.openxmlformats.org/officeDocument/2006/relationships" xmlns:p="http://schemas.openxmlformats.org/presentationml/2006/main" preserve="1" showMasterSp="0">
   <p:cSld name="Quote with Caption">
     <p:spTree>
       <p:nvGrpSpPr>
@@ -1922,6 +1875,7 @@
               <a:rPr lang="en-US" smtClean="0"/>
               <a:t>Click to edit Master text styles</a:t>
             </a:r>
+            <a:endParaRPr lang="en-US" smtClean="0"/>
           </a:p>
         </p:txBody>
       </p:sp>
@@ -1989,6 +1943,7 @@
               <a:rPr lang="en-US" smtClean="0"/>
               <a:t>Click to edit Master text styles</a:t>
             </a:r>
+            <a:endParaRPr lang="en-US" smtClean="0"/>
           </a:p>
         </p:txBody>
       </p:sp>
@@ -2018,8 +1973,6 @@
           <a:p>
             <a:fld id="{48A87A34-81AB-432B-8DAE-1953F412C126}" type="datetimeFigureOut">
               <a:rPr lang="en-US" dirty="0"/>
-              <a:pPr/>
-              <a:t>11/14/2020</a:t>
             </a:fld>
             <a:endParaRPr lang="en-US" dirty="0"/>
           </a:p>
@@ -2071,7 +2024,6 @@
           <a:p>
             <a:fld id="{6D22F896-40B5-4ADD-8801-0D06FADFA095}" type="slidenum">
               <a:rPr lang="en-US" dirty="0"/>
-              <a:t>‹#›</a:t>
             </a:fld>
             <a:endParaRPr lang="en-US" dirty="0"/>
           </a:p>
@@ -2190,6 +2142,12 @@
               </a:rPr>
               <a:t>“</a:t>
             </a:r>
+            <a:endParaRPr lang="en-US" sz="8000" dirty="0">
+              <a:solidFill>
+                <a:schemeClr val="tx1"/>
+              </a:solidFill>
+              <a:effectLst/>
+            </a:endParaRPr>
           </a:p>
         </p:txBody>
       </p:sp>
@@ -2306,6 +2264,12 @@
               </a:rPr>
               <a:t>”</a:t>
             </a:r>
+            <a:endParaRPr lang="en-US" sz="8000" dirty="0">
+              <a:solidFill>
+                <a:schemeClr val="tx1"/>
+              </a:solidFill>
+              <a:effectLst/>
+            </a:endParaRPr>
           </a:p>
         </p:txBody>
       </p:sp>
@@ -2318,7 +2282,7 @@
 </file>
 
 <file path=ppt/slideLayouts/slideLayout13.xml><?xml version="1.0" encoding="utf-8"?>
-<p:sldLayout xmlns:a="http://schemas.openxmlformats.org/drawingml/2006/main" xmlns:r="http://schemas.openxmlformats.org/officeDocument/2006/relationships" xmlns:p="http://schemas.openxmlformats.org/presentationml/2006/main" showMasterSp="0" preserve="1">
+<p:sldLayout xmlns:a="http://schemas.openxmlformats.org/drawingml/2006/main" xmlns:r="http://schemas.openxmlformats.org/officeDocument/2006/relationships" xmlns:p="http://schemas.openxmlformats.org/presentationml/2006/main" preserve="1" showMasterSp="0">
   <p:cSld name="Name Card">
     <p:spTree>
       <p:nvGrpSpPr>
@@ -2458,6 +2422,7 @@
               <a:rPr lang="en-US" smtClean="0"/>
               <a:t>Click to edit Master text styles</a:t>
             </a:r>
+            <a:endParaRPr lang="en-US" smtClean="0"/>
           </a:p>
         </p:txBody>
       </p:sp>
@@ -2487,8 +2452,6 @@
           <a:p>
             <a:fld id="{48A87A34-81AB-432B-8DAE-1953F412C126}" type="datetimeFigureOut">
               <a:rPr lang="en-US" dirty="0"/>
-              <a:pPr/>
-              <a:t>11/14/2020</a:t>
             </a:fld>
             <a:endParaRPr lang="en-US" dirty="0"/>
           </a:p>
@@ -2540,7 +2503,6 @@
           <a:p>
             <a:fld id="{6D22F896-40B5-4ADD-8801-0D06FADFA095}" type="slidenum">
               <a:rPr lang="en-US" dirty="0"/>
-              <a:t>‹#›</a:t>
             </a:fld>
             <a:endParaRPr lang="en-US" dirty="0"/>
           </a:p>
@@ -2667,6 +2629,7 @@
               <a:rPr lang="en-US" smtClean="0"/>
               <a:t>Click to edit Master text styles</a:t>
             </a:r>
+            <a:endParaRPr lang="en-US" smtClean="0"/>
           </a:p>
         </p:txBody>
       </p:sp>
@@ -2734,6 +2697,7 @@
               <a:rPr lang="en-US" smtClean="0"/>
               <a:t>Click to edit Master text styles</a:t>
             </a:r>
+            <a:endParaRPr lang="en-US" smtClean="0"/>
           </a:p>
         </p:txBody>
       </p:sp>
@@ -2805,6 +2769,7 @@
               <a:rPr lang="en-US" smtClean="0"/>
               <a:t>Click to edit Master text styles</a:t>
             </a:r>
+            <a:endParaRPr lang="en-US" smtClean="0"/>
           </a:p>
         </p:txBody>
       </p:sp>
@@ -2872,6 +2837,7 @@
               <a:rPr lang="en-US" smtClean="0"/>
               <a:t>Click to edit Master text styles</a:t>
             </a:r>
+            <a:endParaRPr lang="en-US" smtClean="0"/>
           </a:p>
         </p:txBody>
       </p:sp>
@@ -2943,6 +2909,7 @@
               <a:rPr lang="en-US" smtClean="0"/>
               <a:t>Click to edit Master text styles</a:t>
             </a:r>
+            <a:endParaRPr lang="en-US" smtClean="0"/>
           </a:p>
         </p:txBody>
       </p:sp>
@@ -3010,6 +2977,7 @@
               <a:rPr lang="en-US" smtClean="0"/>
               <a:t>Click to edit Master text styles</a:t>
             </a:r>
+            <a:endParaRPr lang="en-US" smtClean="0"/>
           </a:p>
         </p:txBody>
       </p:sp>
@@ -3030,7 +2998,6 @@
           <a:p>
             <a:fld id="{48A87A34-81AB-432B-8DAE-1953F412C126}" type="datetimeFigureOut">
               <a:rPr lang="en-US" dirty="0"/>
-              <a:t>11/14/2020</a:t>
             </a:fld>
             <a:endParaRPr lang="en-US" dirty="0"/>
           </a:p>
@@ -3072,7 +3039,6 @@
           <a:p>
             <a:fld id="{6D22F896-40B5-4ADD-8801-0D06FADFA095}" type="slidenum">
               <a:rPr lang="en-US" dirty="0"/>
-              <a:t>‹#›</a:t>
             </a:fld>
             <a:endParaRPr lang="en-US" dirty="0"/>
           </a:p>
@@ -3199,6 +3165,7 @@
               <a:rPr lang="en-US" smtClean="0"/>
               <a:t>Click to edit Master text styles</a:t>
             </a:r>
+            <a:endParaRPr lang="en-US" smtClean="0"/>
           </a:p>
         </p:txBody>
       </p:sp>
@@ -3345,6 +3312,7 @@
               <a:rPr lang="en-US" smtClean="0"/>
               <a:t>Click to edit Master text styles</a:t>
             </a:r>
+            <a:endParaRPr lang="en-US" smtClean="0"/>
           </a:p>
         </p:txBody>
       </p:sp>
@@ -3416,6 +3384,7 @@
               <a:rPr lang="en-US" smtClean="0"/>
               <a:t>Click to edit Master text styles</a:t>
             </a:r>
+            <a:endParaRPr lang="en-US" smtClean="0"/>
           </a:p>
         </p:txBody>
       </p:sp>
@@ -3562,6 +3531,7 @@
               <a:rPr lang="en-US" smtClean="0"/>
               <a:t>Click to edit Master text styles</a:t>
             </a:r>
+            <a:endParaRPr lang="en-US" smtClean="0"/>
           </a:p>
         </p:txBody>
       </p:sp>
@@ -3633,6 +3603,7 @@
               <a:rPr lang="en-US" smtClean="0"/>
               <a:t>Click to edit Master text styles</a:t>
             </a:r>
+            <a:endParaRPr lang="en-US" smtClean="0"/>
           </a:p>
         </p:txBody>
       </p:sp>
@@ -3779,6 +3750,7 @@
               <a:rPr lang="en-US" smtClean="0"/>
               <a:t>Click to edit Master text styles</a:t>
             </a:r>
+            <a:endParaRPr lang="en-US" smtClean="0"/>
           </a:p>
         </p:txBody>
       </p:sp>
@@ -3799,7 +3771,6 @@
           <a:p>
             <a:fld id="{48A87A34-81AB-432B-8DAE-1953F412C126}" type="datetimeFigureOut">
               <a:rPr lang="en-US" dirty="0"/>
-              <a:t>11/14/2020</a:t>
             </a:fld>
             <a:endParaRPr lang="en-US" dirty="0"/>
           </a:p>
@@ -3841,7 +3812,6 @@
           <a:p>
             <a:fld id="{6D22F896-40B5-4ADD-8801-0D06FADFA095}" type="slidenum">
               <a:rPr lang="en-US" dirty="0"/>
-              <a:t>‹#›</a:t>
             </a:fld>
             <a:endParaRPr lang="en-US" dirty="0"/>
           </a:p>
@@ -3920,6 +3890,7 @@
               <a:rPr lang="en-US" smtClean="0"/>
               <a:t>Click to edit Master text styles</a:t>
             </a:r>
+            <a:endParaRPr lang="en-US" smtClean="0"/>
           </a:p>
           <a:p>
             <a:pPr lvl="1"/>
@@ -3927,6 +3898,7 @@
               <a:rPr lang="en-US" smtClean="0"/>
               <a:t>Second level</a:t>
             </a:r>
+            <a:endParaRPr lang="en-US" smtClean="0"/>
           </a:p>
           <a:p>
             <a:pPr lvl="2"/>
@@ -3934,6 +3906,7 @@
               <a:rPr lang="en-US" smtClean="0"/>
               <a:t>Third level</a:t>
             </a:r>
+            <a:endParaRPr lang="en-US" smtClean="0"/>
           </a:p>
           <a:p>
             <a:pPr lvl="3"/>
@@ -3941,6 +3914,7 @@
               <a:rPr lang="en-US" smtClean="0"/>
               <a:t>Fourth level</a:t>
             </a:r>
+            <a:endParaRPr lang="en-US" smtClean="0"/>
           </a:p>
           <a:p>
             <a:pPr lvl="4"/>
@@ -3969,7 +3943,6 @@
           <a:p>
             <a:fld id="{48A87A34-81AB-432B-8DAE-1953F412C126}" type="datetimeFigureOut">
               <a:rPr lang="en-US" dirty="0"/>
-              <a:t>11/14/2020</a:t>
             </a:fld>
             <a:endParaRPr lang="en-US" dirty="0"/>
           </a:p>
@@ -4011,7 +3984,6 @@
           <a:p>
             <a:fld id="{6D22F896-40B5-4ADD-8801-0D06FADFA095}" type="slidenum">
               <a:rPr lang="en-US" dirty="0"/>
-              <a:t>‹#›</a:t>
             </a:fld>
             <a:endParaRPr lang="en-US" dirty="0"/>
           </a:p>
@@ -4026,7 +3998,7 @@
 </file>
 
 <file path=ppt/slideLayouts/slideLayout17.xml><?xml version="1.0" encoding="utf-8"?>
-<p:sldLayout xmlns:a="http://schemas.openxmlformats.org/drawingml/2006/main" xmlns:r="http://schemas.openxmlformats.org/officeDocument/2006/relationships" xmlns:p="http://schemas.openxmlformats.org/presentationml/2006/main" showMasterSp="0" type="vertTitleAndTx" preserve="1">
+<p:sldLayout xmlns:a="http://schemas.openxmlformats.org/drawingml/2006/main" xmlns:r="http://schemas.openxmlformats.org/officeDocument/2006/relationships" xmlns:p="http://schemas.openxmlformats.org/presentationml/2006/main" type="vertTitleAndTx" preserve="1" showMasterSp="0">
   <p:cSld name="Vertical Title and Text">
     <p:spTree>
       <p:nvGrpSpPr>
@@ -4129,6 +4101,7 @@
               <a:rPr lang="en-US" smtClean="0"/>
               <a:t>Click to edit Master text styles</a:t>
             </a:r>
+            <a:endParaRPr lang="en-US" smtClean="0"/>
           </a:p>
           <a:p>
             <a:pPr lvl="1"/>
@@ -4136,6 +4109,7 @@
               <a:rPr lang="en-US" smtClean="0"/>
               <a:t>Second level</a:t>
             </a:r>
+            <a:endParaRPr lang="en-US" smtClean="0"/>
           </a:p>
           <a:p>
             <a:pPr lvl="2"/>
@@ -4143,6 +4117,7 @@
               <a:rPr lang="en-US" smtClean="0"/>
               <a:t>Third level</a:t>
             </a:r>
+            <a:endParaRPr lang="en-US" smtClean="0"/>
           </a:p>
           <a:p>
             <a:pPr lvl="3"/>
@@ -4150,6 +4125,7 @@
               <a:rPr lang="en-US" smtClean="0"/>
               <a:t>Fourth level</a:t>
             </a:r>
+            <a:endParaRPr lang="en-US" smtClean="0"/>
           </a:p>
           <a:p>
             <a:pPr lvl="4"/>
@@ -4187,8 +4163,6 @@
           <a:p>
             <a:fld id="{48A87A34-81AB-432B-8DAE-1953F412C126}" type="datetimeFigureOut">
               <a:rPr lang="en-US" dirty="0"/>
-              <a:pPr/>
-              <a:t>11/14/2020</a:t>
             </a:fld>
             <a:endParaRPr lang="en-US" dirty="0"/>
           </a:p>
@@ -4240,7 +4214,6 @@
           <a:p>
             <a:fld id="{6D22F896-40B5-4ADD-8801-0D06FADFA095}" type="slidenum">
               <a:rPr lang="en-US" dirty="0"/>
-              <a:t>‹#›</a:t>
             </a:fld>
             <a:endParaRPr lang="en-US" dirty="0"/>
           </a:p>
@@ -4314,6 +4287,7 @@
               <a:rPr lang="en-US" smtClean="0"/>
               <a:t>Click to edit Master text styles</a:t>
             </a:r>
+            <a:endParaRPr lang="en-US" smtClean="0"/>
           </a:p>
           <a:p>
             <a:pPr lvl="1"/>
@@ -4321,6 +4295,7 @@
               <a:rPr lang="en-US" smtClean="0"/>
               <a:t>Second level</a:t>
             </a:r>
+            <a:endParaRPr lang="en-US" smtClean="0"/>
           </a:p>
           <a:p>
             <a:pPr lvl="2"/>
@@ -4328,6 +4303,7 @@
               <a:rPr lang="en-US" smtClean="0"/>
               <a:t>Third level</a:t>
             </a:r>
+            <a:endParaRPr lang="en-US" smtClean="0"/>
           </a:p>
           <a:p>
             <a:pPr lvl="3"/>
@@ -4335,6 +4311,7 @@
               <a:rPr lang="en-US" smtClean="0"/>
               <a:t>Fourth level</a:t>
             </a:r>
+            <a:endParaRPr lang="en-US" smtClean="0"/>
           </a:p>
           <a:p>
             <a:pPr lvl="4"/>
@@ -4363,7 +4340,6 @@
           <a:p>
             <a:fld id="{48A87A34-81AB-432B-8DAE-1953F412C126}" type="datetimeFigureOut">
               <a:rPr lang="en-US" dirty="0"/>
-              <a:t>11/14/2020</a:t>
             </a:fld>
             <a:endParaRPr lang="en-US" dirty="0"/>
           </a:p>
@@ -4405,7 +4381,6 @@
           <a:p>
             <a:fld id="{6D22F896-40B5-4ADD-8801-0D06FADFA095}" type="slidenum">
               <a:rPr lang="en-US" dirty="0"/>
-              <a:t>‹#›</a:t>
             </a:fld>
             <a:endParaRPr lang="en-US" dirty="0"/>
           </a:p>
@@ -4420,7 +4395,7 @@
 </file>
 
 <file path=ppt/slideLayouts/slideLayout3.xml><?xml version="1.0" encoding="utf-8"?>
-<p:sldLayout xmlns:a="http://schemas.openxmlformats.org/drawingml/2006/main" xmlns:r="http://schemas.openxmlformats.org/officeDocument/2006/relationships" xmlns:p="http://schemas.openxmlformats.org/presentationml/2006/main" showMasterSp="0" type="secHead" preserve="1">
+<p:sldLayout xmlns:a="http://schemas.openxmlformats.org/drawingml/2006/main" xmlns:r="http://schemas.openxmlformats.org/officeDocument/2006/relationships" xmlns:p="http://schemas.openxmlformats.org/presentationml/2006/main" type="secHead" preserve="1" showMasterSp="0">
   <p:cSld name="Section Header">
     <p:spTree>
       <p:nvGrpSpPr>
@@ -4618,6 +4593,7 @@
               <a:rPr lang="en-US" smtClean="0"/>
               <a:t>Click to edit Master text styles</a:t>
             </a:r>
+            <a:endParaRPr lang="en-US" smtClean="0"/>
           </a:p>
         </p:txBody>
       </p:sp>
@@ -4647,8 +4623,6 @@
           <a:p>
             <a:fld id="{48A87A34-81AB-432B-8DAE-1953F412C126}" type="datetimeFigureOut">
               <a:rPr lang="en-US" dirty="0"/>
-              <a:pPr/>
-              <a:t>11/14/2020</a:t>
             </a:fld>
             <a:endParaRPr lang="en-US" dirty="0"/>
           </a:p>
@@ -4700,7 +4674,6 @@
           <a:p>
             <a:fld id="{6D22F896-40B5-4ADD-8801-0D06FADFA095}" type="slidenum">
               <a:rPr lang="en-US" dirty="0"/>
-              <a:t>‹#›</a:t>
             </a:fld>
             <a:endParaRPr lang="en-US" dirty="0"/>
           </a:p>
@@ -4779,6 +4752,7 @@
               <a:rPr lang="en-US" smtClean="0"/>
               <a:t>Click to edit Master text styles</a:t>
             </a:r>
+            <a:endParaRPr lang="en-US" smtClean="0"/>
           </a:p>
           <a:p>
             <a:pPr lvl="1"/>
@@ -4786,6 +4760,7 @@
               <a:rPr lang="en-US" smtClean="0"/>
               <a:t>Second level</a:t>
             </a:r>
+            <a:endParaRPr lang="en-US" smtClean="0"/>
           </a:p>
           <a:p>
             <a:pPr lvl="2"/>
@@ -4793,6 +4768,7 @@
               <a:rPr lang="en-US" smtClean="0"/>
               <a:t>Third level</a:t>
             </a:r>
+            <a:endParaRPr lang="en-US" smtClean="0"/>
           </a:p>
           <a:p>
             <a:pPr lvl="3"/>
@@ -4800,6 +4776,7 @@
               <a:rPr lang="en-US" smtClean="0"/>
               <a:t>Fourth level</a:t>
             </a:r>
+            <a:endParaRPr lang="en-US" smtClean="0"/>
           </a:p>
           <a:p>
             <a:pPr lvl="4"/>
@@ -4836,6 +4813,7 @@
               <a:rPr lang="en-US" smtClean="0"/>
               <a:t>Click to edit Master text styles</a:t>
             </a:r>
+            <a:endParaRPr lang="en-US" smtClean="0"/>
           </a:p>
           <a:p>
             <a:pPr lvl="1"/>
@@ -4843,6 +4821,7 @@
               <a:rPr lang="en-US" smtClean="0"/>
               <a:t>Second level</a:t>
             </a:r>
+            <a:endParaRPr lang="en-US" smtClean="0"/>
           </a:p>
           <a:p>
             <a:pPr lvl="2"/>
@@ -4850,6 +4829,7 @@
               <a:rPr lang="en-US" smtClean="0"/>
               <a:t>Third level</a:t>
             </a:r>
+            <a:endParaRPr lang="en-US" smtClean="0"/>
           </a:p>
           <a:p>
             <a:pPr lvl="3"/>
@@ -4857,6 +4837,7 @@
               <a:rPr lang="en-US" smtClean="0"/>
               <a:t>Fourth level</a:t>
             </a:r>
+            <a:endParaRPr lang="en-US" smtClean="0"/>
           </a:p>
           <a:p>
             <a:pPr lvl="4"/>
@@ -4885,7 +4866,6 @@
           <a:p>
             <a:fld id="{48A87A34-81AB-432B-8DAE-1953F412C126}" type="datetimeFigureOut">
               <a:rPr lang="en-US" dirty="0"/>
-              <a:t>11/14/2020</a:t>
             </a:fld>
             <a:endParaRPr lang="en-US" dirty="0"/>
           </a:p>
@@ -4927,7 +4907,6 @@
           <a:p>
             <a:fld id="{6D22F896-40B5-4ADD-8801-0D06FADFA095}" type="slidenum">
               <a:rPr lang="en-US" dirty="0"/>
-              <a:t>‹#›</a:t>
             </a:fld>
             <a:endParaRPr lang="en-US" dirty="0"/>
           </a:p>
@@ -5054,6 +5033,7 @@
               <a:rPr lang="en-US" smtClean="0"/>
               <a:t>Click to edit Master text styles</a:t>
             </a:r>
+            <a:endParaRPr lang="en-US" smtClean="0"/>
           </a:p>
         </p:txBody>
       </p:sp>
@@ -5082,6 +5062,7 @@
               <a:rPr lang="en-US" smtClean="0"/>
               <a:t>Click to edit Master text styles</a:t>
             </a:r>
+            <a:endParaRPr lang="en-US" smtClean="0"/>
           </a:p>
           <a:p>
             <a:pPr lvl="1"/>
@@ -5089,6 +5070,7 @@
               <a:rPr lang="en-US" smtClean="0"/>
               <a:t>Second level</a:t>
             </a:r>
+            <a:endParaRPr lang="en-US" smtClean="0"/>
           </a:p>
           <a:p>
             <a:pPr lvl="2"/>
@@ -5096,6 +5078,7 @@
               <a:rPr lang="en-US" smtClean="0"/>
               <a:t>Third level</a:t>
             </a:r>
+            <a:endParaRPr lang="en-US" smtClean="0"/>
           </a:p>
           <a:p>
             <a:pPr lvl="3"/>
@@ -5103,6 +5086,7 @@
               <a:rPr lang="en-US" smtClean="0"/>
               <a:t>Fourth level</a:t>
             </a:r>
+            <a:endParaRPr lang="en-US" smtClean="0"/>
           </a:p>
           <a:p>
             <a:pPr lvl="4"/>
@@ -5182,6 +5166,7 @@
               <a:rPr lang="en-US" smtClean="0"/>
               <a:t>Click to edit Master text styles</a:t>
             </a:r>
+            <a:endParaRPr lang="en-US" smtClean="0"/>
           </a:p>
         </p:txBody>
       </p:sp>
@@ -5210,6 +5195,7 @@
               <a:rPr lang="en-US" smtClean="0"/>
               <a:t>Click to edit Master text styles</a:t>
             </a:r>
+            <a:endParaRPr lang="en-US" smtClean="0"/>
           </a:p>
           <a:p>
             <a:pPr lvl="1"/>
@@ -5217,6 +5203,7 @@
               <a:rPr lang="en-US" smtClean="0"/>
               <a:t>Second level</a:t>
             </a:r>
+            <a:endParaRPr lang="en-US" smtClean="0"/>
           </a:p>
           <a:p>
             <a:pPr lvl="2"/>
@@ -5224,6 +5211,7 @@
               <a:rPr lang="en-US" smtClean="0"/>
               <a:t>Third level</a:t>
             </a:r>
+            <a:endParaRPr lang="en-US" smtClean="0"/>
           </a:p>
           <a:p>
             <a:pPr lvl="3"/>
@@ -5231,6 +5219,7 @@
               <a:rPr lang="en-US" smtClean="0"/>
               <a:t>Fourth level</a:t>
             </a:r>
+            <a:endParaRPr lang="en-US" smtClean="0"/>
           </a:p>
           <a:p>
             <a:pPr lvl="4"/>
@@ -5259,7 +5248,6 @@
           <a:p>
             <a:fld id="{48A87A34-81AB-432B-8DAE-1953F412C126}" type="datetimeFigureOut">
               <a:rPr lang="en-US" dirty="0"/>
-              <a:t>11/14/2020</a:t>
             </a:fld>
             <a:endParaRPr lang="en-US" dirty="0"/>
           </a:p>
@@ -5301,7 +5289,6 @@
           <a:p>
             <a:fld id="{6D22F896-40B5-4ADD-8801-0D06FADFA095}" type="slidenum">
               <a:rPr lang="en-US" dirty="0"/>
-              <a:t>‹#›</a:t>
             </a:fld>
             <a:endParaRPr lang="en-US" dirty="0"/>
           </a:p>
@@ -5372,7 +5359,6 @@
           <a:p>
             <a:fld id="{48A87A34-81AB-432B-8DAE-1953F412C126}" type="datetimeFigureOut">
               <a:rPr lang="en-US" dirty="0"/>
-              <a:t>11/14/2020</a:t>
             </a:fld>
             <a:endParaRPr lang="en-US" dirty="0"/>
           </a:p>
@@ -5414,7 +5400,6 @@
           <a:p>
             <a:fld id="{6D22F896-40B5-4ADD-8801-0D06FADFA095}" type="slidenum">
               <a:rPr lang="en-US" dirty="0"/>
-              <a:t>‹#›</a:t>
             </a:fld>
             <a:endParaRPr lang="en-US" dirty="0"/>
           </a:p>
@@ -5462,7 +5447,6 @@
           <a:p>
             <a:fld id="{48A87A34-81AB-432B-8DAE-1953F412C126}" type="datetimeFigureOut">
               <a:rPr lang="en-US" dirty="0"/>
-              <a:t>11/14/2020</a:t>
             </a:fld>
             <a:endParaRPr lang="en-US" dirty="0"/>
           </a:p>
@@ -5504,7 +5488,6 @@
           <a:p>
             <a:fld id="{6D22F896-40B5-4ADD-8801-0D06FADFA095}" type="slidenum">
               <a:rPr lang="en-US" dirty="0"/>
-              <a:t>‹#›</a:t>
             </a:fld>
             <a:endParaRPr lang="en-US" dirty="0"/>
           </a:p>
@@ -5592,6 +5575,7 @@
               <a:rPr lang="en-US" smtClean="0"/>
               <a:t>Click to edit Master text styles</a:t>
             </a:r>
+            <a:endParaRPr lang="en-US" smtClean="0"/>
           </a:p>
           <a:p>
             <a:pPr lvl="1"/>
@@ -5599,6 +5583,7 @@
               <a:rPr lang="en-US" smtClean="0"/>
               <a:t>Second level</a:t>
             </a:r>
+            <a:endParaRPr lang="en-US" smtClean="0"/>
           </a:p>
           <a:p>
             <a:pPr lvl="2"/>
@@ -5606,6 +5591,7 @@
               <a:rPr lang="en-US" smtClean="0"/>
               <a:t>Third level</a:t>
             </a:r>
+            <a:endParaRPr lang="en-US" smtClean="0"/>
           </a:p>
           <a:p>
             <a:pPr lvl="3"/>
@@ -5613,6 +5599,7 @@
               <a:rPr lang="en-US" smtClean="0"/>
               <a:t>Fourth level</a:t>
             </a:r>
+            <a:endParaRPr lang="en-US" smtClean="0"/>
           </a:p>
           <a:p>
             <a:pPr lvl="4"/>
@@ -5686,6 +5673,7 @@
               <a:rPr lang="en-US" smtClean="0"/>
               <a:t>Click to edit Master text styles</a:t>
             </a:r>
+            <a:endParaRPr lang="en-US" smtClean="0"/>
           </a:p>
         </p:txBody>
       </p:sp>
@@ -5706,7 +5694,6 @@
           <a:p>
             <a:fld id="{48A87A34-81AB-432B-8DAE-1953F412C126}" type="datetimeFigureOut">
               <a:rPr lang="en-US" dirty="0"/>
-              <a:t>11/14/2020</a:t>
             </a:fld>
             <a:endParaRPr lang="en-US" dirty="0"/>
           </a:p>
@@ -5748,7 +5735,6 @@
           <a:p>
             <a:fld id="{6D22F896-40B5-4ADD-8801-0D06FADFA095}" type="slidenum">
               <a:rPr lang="en-US" dirty="0"/>
-              <a:t>‹#›</a:t>
             </a:fld>
             <a:endParaRPr lang="en-US" dirty="0"/>
           </a:p>
@@ -5938,6 +5924,7 @@
               <a:rPr lang="en-US" smtClean="0"/>
               <a:t>Click to edit Master text styles</a:t>
             </a:r>
+            <a:endParaRPr lang="en-US" smtClean="0"/>
           </a:p>
         </p:txBody>
       </p:sp>
@@ -5958,7 +5945,6 @@
           <a:p>
             <a:fld id="{48A87A34-81AB-432B-8DAE-1953F412C126}" type="datetimeFigureOut">
               <a:rPr lang="en-US" dirty="0"/>
-              <a:t>11/14/2020</a:t>
             </a:fld>
             <a:endParaRPr lang="en-US" dirty="0"/>
           </a:p>
@@ -6000,7 +5986,6 @@
           <a:p>
             <a:fld id="{6D22F896-40B5-4ADD-8801-0D06FADFA095}" type="slidenum">
               <a:rPr lang="en-US" dirty="0"/>
-              <a:t>‹#›</a:t>
             </a:fld>
             <a:endParaRPr lang="en-US" dirty="0"/>
           </a:p>
@@ -6045,7 +6030,7 @@
           <p:nvPr/>
         </p:nvPicPr>
         <p:blipFill>
-          <a:blip r:embed="rId19">
+          <a:blip r:embed="rId18">
             <a:extLst>
               <a:ext uri="{28A0092B-C50C-407E-A947-70E740481C1C}">
                 <a14:useLocalDpi xmlns:a14="http://schemas.microsoft.com/office/drawing/2010/main" val="0"/>
@@ -6129,6 +6114,7 @@
               <a:rPr lang="en-US" smtClean="0"/>
               <a:t>Click to edit Master text styles</a:t>
             </a:r>
+            <a:endParaRPr lang="en-US" smtClean="0"/>
           </a:p>
           <a:p>
             <a:pPr lvl="1"/>
@@ -6136,6 +6122,7 @@
               <a:rPr lang="en-US" smtClean="0"/>
               <a:t>Second level</a:t>
             </a:r>
+            <a:endParaRPr lang="en-US" smtClean="0"/>
           </a:p>
           <a:p>
             <a:pPr lvl="2"/>
@@ -6143,6 +6130,7 @@
               <a:rPr lang="en-US" smtClean="0"/>
               <a:t>Third level</a:t>
             </a:r>
+            <a:endParaRPr lang="en-US" smtClean="0"/>
           </a:p>
           <a:p>
             <a:pPr lvl="3"/>
@@ -6150,6 +6138,7 @@
               <a:rPr lang="en-US" smtClean="0"/>
               <a:t>Fourth level</a:t>
             </a:r>
+            <a:endParaRPr lang="en-US" smtClean="0"/>
           </a:p>
           <a:p>
             <a:pPr lvl="4"/>
@@ -6196,8 +6185,6 @@
           <a:p>
             <a:fld id="{48A87A34-81AB-432B-8DAE-1953F412C126}" type="datetimeFigureOut">
               <a:rPr lang="en-US" dirty="0"/>
-              <a:pPr/>
-              <a:t>11/14/2020</a:t>
             </a:fld>
             <a:endParaRPr lang="en-US" dirty="0"/>
           </a:p>
@@ -6275,8 +6262,6 @@
           <a:p>
             <a:fld id="{6D22F896-40B5-4ADD-8801-0D06FADFA095}" type="slidenum">
               <a:rPr lang="en-US" dirty="0"/>
-              <a:pPr/>
-              <a:t>‹#›</a:t>
             </a:fld>
             <a:endParaRPr lang="en-US" dirty="0"/>
           </a:p>
@@ -6295,14 +6280,14 @@
     <p:sldLayoutId id="2147483655" r:id="rId7"/>
     <p:sldLayoutId id="2147483656" r:id="rId8"/>
     <p:sldLayoutId id="2147483657" r:id="rId9"/>
-    <p:sldLayoutId id="2147483660" r:id="rId10"/>
-    <p:sldLayoutId id="2147483661" r:id="rId11"/>
-    <p:sldLayoutId id="2147483666" r:id="rId12"/>
-    <p:sldLayoutId id="2147483663" r:id="rId13"/>
-    <p:sldLayoutId id="2147483667" r:id="rId14"/>
-    <p:sldLayoutId id="2147483668" r:id="rId15"/>
-    <p:sldLayoutId id="2147483658" r:id="rId16"/>
-    <p:sldLayoutId id="2147483659" r:id="rId17"/>
+    <p:sldLayoutId id="2147483658" r:id="rId10"/>
+    <p:sldLayoutId id="2147483659" r:id="rId11"/>
+    <p:sldLayoutId id="2147483660" r:id="rId12"/>
+    <p:sldLayoutId id="2147483661" r:id="rId13"/>
+    <p:sldLayoutId id="2147483662" r:id="rId14"/>
+    <p:sldLayoutId id="2147483663" r:id="rId15"/>
+    <p:sldLayoutId id="2147483664" r:id="rId16"/>
+    <p:sldLayoutId id="2147483665" r:id="rId17"/>
   </p:sldLayoutIdLst>
   <p:txStyles>
     <p:titleStyle>
@@ -6630,12 +6615,45 @@
               </a:rPr>
               <a:t>Micro-Credit Defaulter Model</a:t>
             </a:r>
+            <a:endParaRPr lang="en-IN" dirty="0">
+              <a:latin typeface="Algerian" panose="04020705040A02060702" pitchFamily="82" charset="0"/>
+            </a:endParaRPr>
           </a:p>
         </p:txBody>
       </p:sp>
       <p:pic>
         <p:nvPicPr>
           <p:cNvPr id="4" name="Picture 3"/>
+          <p:cNvPicPr>
+            <a:picLocks noChangeAspect="1"/>
+          </p:cNvPicPr>
+          <p:nvPr/>
+        </p:nvPicPr>
+        <p:blipFill>
+          <a:blip r:embed="rId1">
+            <a:extLst>
+              <a:ext uri="{28A0092B-C50C-407E-A947-70E740481C1C}">
+                <a14:useLocalDpi xmlns:a14="http://schemas.microsoft.com/office/drawing/2010/main" val="0"/>
+              </a:ext>
+            </a:extLst>
+          </a:blip>
+          <a:stretch>
+            <a:fillRect/>
+          </a:stretch>
+        </p:blipFill>
+        <p:spPr>
+          <a:xfrm>
+            <a:off x="1481272" y="2561601"/>
+            <a:ext cx="4295686" cy="3933203"/>
+          </a:xfrm>
+          <a:prstGeom prst="rect">
+            <a:avLst/>
+          </a:prstGeom>
+        </p:spPr>
+      </p:pic>
+      <p:pic>
+        <p:nvPicPr>
+          <p:cNvPr id="5" name="Picture 4"/>
           <p:cNvPicPr>
             <a:picLocks noChangeAspect="1"/>
           </p:cNvPicPr>
@@ -6655,50 +6673,15 @@
         </p:blipFill>
         <p:spPr>
           <a:xfrm>
-            <a:off x="1481272" y="2561601"/>
-            <a:ext cx="4295686" cy="3933203"/>
+            <a:off x="6220629" y="2649197"/>
+            <a:ext cx="5085546" cy="3572142"/>
           </a:xfrm>
           <a:prstGeom prst="rect">
             <a:avLst/>
           </a:prstGeom>
         </p:spPr>
       </p:pic>
-      <p:pic>
-        <p:nvPicPr>
-          <p:cNvPr id="5" name="Picture 4"/>
-          <p:cNvPicPr>
-            <a:picLocks noChangeAspect="1"/>
-          </p:cNvPicPr>
-          <p:nvPr/>
-        </p:nvPicPr>
-        <p:blipFill>
-          <a:blip r:embed="rId3">
-            <a:extLst>
-              <a:ext uri="{28A0092B-C50C-407E-A947-70E740481C1C}">
-                <a14:useLocalDpi xmlns:a14="http://schemas.microsoft.com/office/drawing/2010/main" val="0"/>
-              </a:ext>
-            </a:extLst>
-          </a:blip>
-          <a:stretch>
-            <a:fillRect/>
-          </a:stretch>
-        </p:blipFill>
-        <p:spPr>
-          <a:xfrm>
-            <a:off x="6220629" y="2649197"/>
-            <a:ext cx="5085546" cy="3572142"/>
-          </a:xfrm>
-          <a:prstGeom prst="rect">
-            <a:avLst/>
-          </a:prstGeom>
-        </p:spPr>
-      </p:pic>
     </p:spTree>
-    <p:extLst>
-      <p:ext uri="{BB962C8B-B14F-4D97-AF65-F5344CB8AC3E}">
-        <p14:creationId xmlns:p14="http://schemas.microsoft.com/office/powerpoint/2010/main" val="1270491164"/>
-      </p:ext>
-    </p:extLst>
   </p:cSld>
   <p:clrMapOvr>
     <a:masterClrMapping/>
@@ -6739,7 +6722,7 @@
           <p:nvPr/>
         </p:nvPicPr>
         <p:blipFill>
-          <a:blip r:embed="rId2">
+          <a:blip r:embed="rId1">
             <a:extLst>
               <a:ext uri="{28A0092B-C50C-407E-A947-70E740481C1C}">
                 <a14:useLocalDpi xmlns:a14="http://schemas.microsoft.com/office/drawing/2010/main" val="0"/>
@@ -6753,7 +6736,7 @@
         </p:blipFill>
         <p:spPr bwMode="auto">
           <a:xfrm>
-            <a:off x="431922" y="261206"/>
+            <a:off x="462402" y="728566"/>
             <a:ext cx="5007585" cy="6010640"/>
           </a:xfrm>
           <a:prstGeom prst="rect">
@@ -6784,12 +6767,104 @@
           </a:extLst>
         </p:spPr>
       </p:pic>
+      <p:sp>
+        <p:nvSpPr>
+          <p:cNvPr id="3" name="Text Box 2"/>
+          <p:cNvSpPr txBox="1"/>
+          <p:nvPr/>
+        </p:nvSpPr>
+        <p:spPr>
+          <a:xfrm>
+            <a:off x="462280" y="182245"/>
+            <a:ext cx="5331460" cy="460375"/>
+          </a:xfrm>
+          <a:prstGeom prst="rect">
+            <a:avLst/>
+          </a:prstGeom>
+          <a:noFill/>
+        </p:spPr>
+        <p:txBody>
+          <a:bodyPr wrap="none" rtlCol="0">
+            <a:spAutoFit/>
+          </a:bodyPr>
+          <a:p>
+            <a:pPr algn="l"/>
+            <a:r>
+              <a:rPr lang="en-US" sz="2400"/>
+              <a:t>Run and Evaluate selected models</a:t>
+            </a:r>
+            <a:endParaRPr lang="en-US" sz="2400"/>
+          </a:p>
+        </p:txBody>
+      </p:sp>
+      <p:sp>
+        <p:nvSpPr>
+          <p:cNvPr id="4" name="Text Box 3"/>
+          <p:cNvSpPr txBox="1"/>
+          <p:nvPr/>
+        </p:nvSpPr>
+        <p:spPr>
+          <a:xfrm>
+            <a:off x="6451600" y="182245"/>
+            <a:ext cx="5026660" cy="829945"/>
+          </a:xfrm>
+          <a:prstGeom prst="rect">
+            <a:avLst/>
+          </a:prstGeom>
+          <a:noFill/>
+        </p:spPr>
+        <p:txBody>
+          <a:bodyPr wrap="square" rtlCol="0">
+            <a:spAutoFit/>
+          </a:bodyPr>
+          <a:p>
+            <a:pPr algn="l"/>
+            <a:r>
+              <a:rPr lang="en-US" sz="2400"/>
+              <a:t>Key Metrics for success in solving problem under consideration</a:t>
+            </a:r>
+            <a:endParaRPr lang="en-US" sz="2400"/>
+          </a:p>
+        </p:txBody>
+      </p:sp>
+      <p:pic>
+        <p:nvPicPr>
+          <p:cNvPr id="15" name="Picture 15"/>
+          <p:cNvPicPr>
+            <a:picLocks noChangeAspect="1"/>
+          </p:cNvPicPr>
+          <p:nvPr>
+            <p:ph idx="1"/>
+          </p:nvPr>
+        </p:nvPicPr>
+        <p:blipFill>
+          <a:blip r:embed="rId2">
+            <a:extLst>
+              <a:ext uri="{28A0092B-C50C-407E-A947-70E740481C1C}">
+                <a14:useLocalDpi xmlns:a14="http://schemas.microsoft.com/office/drawing/2010/main" val="0"/>
+              </a:ext>
+            </a:extLst>
+          </a:blip>
+          <a:srcRect/>
+          <a:stretch>
+            <a:fillRect/>
+          </a:stretch>
+        </p:blipFill>
+        <p:spPr bwMode="auto">
+          <a:xfrm>
+            <a:off x="6451600" y="1253490"/>
+            <a:ext cx="5523865" cy="3334385"/>
+          </a:xfrm>
+          <a:prstGeom prst="rect">
+            <a:avLst/>
+          </a:prstGeom>
+          <a:noFill/>
+          <a:ln>
+            <a:noFill/>
+          </a:ln>
+        </p:spPr>
+      </p:pic>
     </p:spTree>
-    <p:extLst>
-      <p:ext uri="{BB962C8B-B14F-4D97-AF65-F5344CB8AC3E}">
-        <p14:creationId xmlns:p14="http://schemas.microsoft.com/office/powerpoint/2010/main" val="1731612766"/>
-      </p:ext>
-    </p:extLst>
   </p:cSld>
   <p:clrMapOvr>
     <a:masterClrMapping/>
@@ -6830,7 +6905,7 @@
           <p:nvPr/>
         </p:nvPicPr>
         <p:blipFill>
-          <a:blip r:embed="rId2">
+          <a:blip r:embed="rId1">
             <a:extLst>
               <a:ext uri="{28A0092B-C50C-407E-A947-70E740481C1C}">
                 <a14:useLocalDpi xmlns:a14="http://schemas.microsoft.com/office/drawing/2010/main" val="0"/>
@@ -6844,7 +6919,7 @@
         </p:blipFill>
         <p:spPr bwMode="auto">
           <a:xfrm>
-            <a:off x="279155" y="1073761"/>
+            <a:off x="208035" y="1510641"/>
             <a:ext cx="5066239" cy="4928454"/>
           </a:xfrm>
           <a:prstGeom prst="rect">
@@ -6884,7 +6959,7 @@
           <p:nvPr/>
         </p:nvPicPr>
         <p:blipFill>
-          <a:blip r:embed="rId3">
+          <a:blip r:embed="rId2">
             <a:extLst>
               <a:ext uri="{28A0092B-C50C-407E-A947-70E740481C1C}">
                 <a14:useLocalDpi xmlns:a14="http://schemas.microsoft.com/office/drawing/2010/main" val="0"/>
@@ -6898,7 +6973,7 @@
         </p:blipFill>
         <p:spPr bwMode="auto">
           <a:xfrm>
-            <a:off x="5853113" y="2187453"/>
+            <a:off x="6239193" y="2278893"/>
             <a:ext cx="5057775" cy="2923809"/>
           </a:xfrm>
           <a:prstGeom prst="rect">
@@ -6929,12 +7004,71 @@
           </a:extLst>
         </p:spPr>
       </p:pic>
+      <p:sp>
+        <p:nvSpPr>
+          <p:cNvPr id="2" name="Text Box 1"/>
+          <p:cNvSpPr txBox="1"/>
+          <p:nvPr/>
+        </p:nvSpPr>
+        <p:spPr>
+          <a:xfrm>
+            <a:off x="375920" y="802640"/>
+            <a:ext cx="2399030" cy="460375"/>
+          </a:xfrm>
+          <a:prstGeom prst="rect">
+            <a:avLst/>
+          </a:prstGeom>
+          <a:noFill/>
+        </p:spPr>
+        <p:txBody>
+          <a:bodyPr wrap="none" rtlCol="0">
+            <a:spAutoFit/>
+          </a:bodyPr>
+          <a:p>
+            <a:r>
+              <a:rPr lang="en-IN" altLang="en-US" sz="2400"/>
+              <a:t>Random Forest</a:t>
+            </a:r>
+            <a:endParaRPr lang="en-IN" altLang="en-US" sz="2400"/>
+          </a:p>
+        </p:txBody>
+      </p:sp>
+      <p:sp>
+        <p:nvSpPr>
+          <p:cNvPr id="3" name="Text Box 2"/>
+          <p:cNvSpPr txBox="1"/>
+          <p:nvPr/>
+        </p:nvSpPr>
+        <p:spPr>
+          <a:xfrm>
+            <a:off x="3180080" y="-20320"/>
+            <a:ext cx="5593080" cy="706755"/>
+          </a:xfrm>
+          <a:prstGeom prst="rect">
+            <a:avLst/>
+          </a:prstGeom>
+          <a:noFill/>
+        </p:spPr>
+        <p:txBody>
+          <a:bodyPr wrap="square" rtlCol="0">
+            <a:spAutoFit/>
+          </a:bodyPr>
+          <a:p>
+            <a:r>
+              <a:rPr lang="en-IN" altLang="en-US" sz="4000">
+                <a:latin typeface="Algerian" panose="04020705040A02060702" pitchFamily="82" charset="0"/>
+                <a:cs typeface="Algerian" panose="04020705040A02060702" pitchFamily="82" charset="0"/>
+              </a:rPr>
+              <a:t>VISUALIZATIONS</a:t>
+            </a:r>
+            <a:endParaRPr lang="en-IN" altLang="en-US" sz="4000">
+              <a:latin typeface="Algerian" panose="04020705040A02060702" pitchFamily="82" charset="0"/>
+              <a:cs typeface="Algerian" panose="04020705040A02060702" pitchFamily="82" charset="0"/>
+            </a:endParaRPr>
+          </a:p>
+        </p:txBody>
+      </p:sp>
     </p:spTree>
-    <p:extLst>
-      <p:ext uri="{BB962C8B-B14F-4D97-AF65-F5344CB8AC3E}">
-        <p14:creationId xmlns:p14="http://schemas.microsoft.com/office/powerpoint/2010/main" val="4023557328"/>
-      </p:ext>
-    </p:extLst>
   </p:cSld>
   <p:clrMapOvr>
     <a:masterClrMapping/>
@@ -6968,7 +7102,7 @@
           <p:nvPr/>
         </p:nvPicPr>
         <p:blipFill>
-          <a:blip r:embed="rId2">
+          <a:blip r:embed="rId1">
             <a:extLst>
               <a:ext uri="{28A0092B-C50C-407E-A947-70E740481C1C}">
                 <a14:useLocalDpi xmlns:a14="http://schemas.microsoft.com/office/drawing/2010/main" val="0"/>
@@ -6982,7 +7116,7 @@
         </p:blipFill>
         <p:spPr bwMode="auto">
           <a:xfrm>
-            <a:off x="844062" y="1190992"/>
+            <a:off x="468142" y="1373872"/>
             <a:ext cx="4591050" cy="4928454"/>
           </a:xfrm>
           <a:prstGeom prst="rect">
@@ -7022,7 +7156,7 @@
           <p:nvPr/>
         </p:nvPicPr>
         <p:blipFill>
-          <a:blip r:embed="rId3">
+          <a:blip r:embed="rId2">
             <a:extLst>
               <a:ext uri="{28A0092B-C50C-407E-A947-70E740481C1C}">
                 <a14:useLocalDpi xmlns:a14="http://schemas.microsoft.com/office/drawing/2010/main" val="0"/>
@@ -7036,7 +7170,7 @@
         </p:blipFill>
         <p:spPr bwMode="auto">
           <a:xfrm>
-            <a:off x="5793398" y="2086707"/>
+            <a:off x="6179478" y="2169257"/>
             <a:ext cx="4895850" cy="2520461"/>
           </a:xfrm>
           <a:prstGeom prst="rect">
@@ -7067,12 +7201,36 @@
           </a:extLst>
         </p:spPr>
       </p:pic>
+      <p:sp>
+        <p:nvSpPr>
+          <p:cNvPr id="2" name="Text Box 1"/>
+          <p:cNvSpPr txBox="1"/>
+          <p:nvPr/>
+        </p:nvSpPr>
+        <p:spPr>
+          <a:xfrm>
+            <a:off x="467995" y="741680"/>
+            <a:ext cx="7122160" cy="460375"/>
+          </a:xfrm>
+          <a:prstGeom prst="rect">
+            <a:avLst/>
+          </a:prstGeom>
+          <a:noFill/>
+        </p:spPr>
+        <p:txBody>
+          <a:bodyPr wrap="square" rtlCol="0">
+            <a:spAutoFit/>
+          </a:bodyPr>
+          <a:p>
+            <a:r>
+              <a:rPr lang="en-IN" altLang="en-US" sz="2400"/>
+              <a:t>Decision Tree</a:t>
+            </a:r>
+            <a:endParaRPr lang="en-IN" altLang="en-US" sz="2400"/>
+          </a:p>
+        </p:txBody>
+      </p:sp>
     </p:spTree>
-    <p:extLst>
-      <p:ext uri="{BB962C8B-B14F-4D97-AF65-F5344CB8AC3E}">
-        <p14:creationId xmlns:p14="http://schemas.microsoft.com/office/powerpoint/2010/main" val="3771769945"/>
-      </p:ext>
-    </p:extLst>
   </p:cSld>
   <p:clrMapOvr>
     <a:masterClrMapping/>
@@ -7106,7 +7264,7 @@
           <p:nvPr/>
         </p:nvPicPr>
         <p:blipFill>
-          <a:blip r:embed="rId2">
+          <a:blip r:embed="rId1">
             <a:extLst>
               <a:ext uri="{28A0092B-C50C-407E-A947-70E740481C1C}">
                 <a14:useLocalDpi xmlns:a14="http://schemas.microsoft.com/office/drawing/2010/main" val="0"/>
@@ -7120,7 +7278,7 @@
         </p:blipFill>
         <p:spPr bwMode="auto">
           <a:xfrm>
-            <a:off x="470023" y="481013"/>
+            <a:off x="256663" y="1131253"/>
             <a:ext cx="4733925" cy="5462587"/>
           </a:xfrm>
           <a:prstGeom prst="rect">
@@ -7160,7 +7318,7 @@
           <p:nvPr/>
         </p:nvPicPr>
         <p:blipFill>
-          <a:blip r:embed="rId3">
+          <a:blip r:embed="rId2">
             <a:extLst>
               <a:ext uri="{28A0092B-C50C-407E-A947-70E740481C1C}">
                 <a14:useLocalDpi xmlns:a14="http://schemas.microsoft.com/office/drawing/2010/main" val="0"/>
@@ -7174,7 +7332,7 @@
         </p:blipFill>
         <p:spPr bwMode="auto">
           <a:xfrm>
-            <a:off x="5594838" y="1810481"/>
+            <a:off x="5838678" y="2324196"/>
             <a:ext cx="4800600" cy="2210533"/>
           </a:xfrm>
           <a:prstGeom prst="rect">
@@ -7205,12 +7363,36 @@
           </a:extLst>
         </p:spPr>
       </p:pic>
+      <p:sp>
+        <p:nvSpPr>
+          <p:cNvPr id="2" name="Text Box 1"/>
+          <p:cNvSpPr txBox="1"/>
+          <p:nvPr/>
+        </p:nvSpPr>
+        <p:spPr>
+          <a:xfrm>
+            <a:off x="345440" y="568960"/>
+            <a:ext cx="4183380" cy="460375"/>
+          </a:xfrm>
+          <a:prstGeom prst="rect">
+            <a:avLst/>
+          </a:prstGeom>
+          <a:noFill/>
+        </p:spPr>
+        <p:txBody>
+          <a:bodyPr wrap="none" rtlCol="0">
+            <a:spAutoFit/>
+          </a:bodyPr>
+          <a:p>
+            <a:r>
+              <a:rPr lang="en-IN" altLang="en-US" sz="2400"/>
+              <a:t>Gradient Boosting Classifier</a:t>
+            </a:r>
+            <a:endParaRPr lang="en-IN" altLang="en-US" sz="2400"/>
+          </a:p>
+        </p:txBody>
+      </p:sp>
     </p:spTree>
-    <p:extLst>
-      <p:ext uri="{BB962C8B-B14F-4D97-AF65-F5344CB8AC3E}">
-        <p14:creationId xmlns:p14="http://schemas.microsoft.com/office/powerpoint/2010/main" val="608927533"/>
-      </p:ext>
-    </p:extLst>
   </p:cSld>
   <p:clrMapOvr>
     <a:masterClrMapping/>
@@ -7244,7 +7426,7 @@
           <p:nvPr/>
         </p:nvPicPr>
         <p:blipFill>
-          <a:blip r:embed="rId2">
+          <a:blip r:embed="rId1">
             <a:extLst>
               <a:ext uri="{28A0092B-C50C-407E-A947-70E740481C1C}">
                 <a14:useLocalDpi xmlns:a14="http://schemas.microsoft.com/office/drawing/2010/main" val="0"/>
@@ -7298,7 +7480,7 @@
           <p:nvPr/>
         </p:nvPicPr>
         <p:blipFill>
-          <a:blip r:embed="rId3">
+          <a:blip r:embed="rId2">
             <a:extLst>
               <a:ext uri="{28A0092B-C50C-407E-A947-70E740481C1C}">
                 <a14:useLocalDpi xmlns:a14="http://schemas.microsoft.com/office/drawing/2010/main" val="0"/>
@@ -7343,12 +7525,36 @@
           </a:extLst>
         </p:spPr>
       </p:pic>
+      <p:sp>
+        <p:nvSpPr>
+          <p:cNvPr id="2" name="Text Box 1"/>
+          <p:cNvSpPr txBox="1"/>
+          <p:nvPr/>
+        </p:nvSpPr>
+        <p:spPr>
+          <a:xfrm>
+            <a:off x="508000" y="416560"/>
+            <a:ext cx="2914015" cy="460375"/>
+          </a:xfrm>
+          <a:prstGeom prst="rect">
+            <a:avLst/>
+          </a:prstGeom>
+          <a:noFill/>
+        </p:spPr>
+        <p:txBody>
+          <a:bodyPr wrap="none" rtlCol="0">
+            <a:spAutoFit/>
+          </a:bodyPr>
+          <a:p>
+            <a:r>
+              <a:rPr lang="en-IN" altLang="en-US" sz="2400"/>
+              <a:t>Logistic Regression</a:t>
+            </a:r>
+            <a:endParaRPr lang="en-IN" altLang="en-US" sz="2400"/>
+          </a:p>
+        </p:txBody>
+      </p:sp>
     </p:spTree>
-    <p:extLst>
-      <p:ext uri="{BB962C8B-B14F-4D97-AF65-F5344CB8AC3E}">
-        <p14:creationId xmlns:p14="http://schemas.microsoft.com/office/powerpoint/2010/main" val="4142990761"/>
-      </p:ext>
-    </p:extLst>
   </p:cSld>
   <p:clrMapOvr>
     <a:masterClrMapping/>
@@ -7382,7 +7588,7 @@
           <p:nvPr/>
         </p:nvPicPr>
         <p:blipFill>
-          <a:blip r:embed="rId2">
+          <a:blip r:embed="rId1">
             <a:extLst>
               <a:ext uri="{28A0092B-C50C-407E-A947-70E740481C1C}">
                 <a14:useLocalDpi xmlns:a14="http://schemas.microsoft.com/office/drawing/2010/main" val="0"/>
@@ -7396,7 +7602,7 @@
         </p:blipFill>
         <p:spPr bwMode="auto">
           <a:xfrm>
-            <a:off x="600075" y="368179"/>
+            <a:off x="508635" y="998099"/>
             <a:ext cx="4591050" cy="5680929"/>
           </a:xfrm>
           <a:prstGeom prst="rect">
@@ -7436,7 +7642,7 @@
           <p:nvPr/>
         </p:nvPicPr>
         <p:blipFill>
-          <a:blip r:embed="rId3">
+          <a:blip r:embed="rId2">
             <a:extLst>
               <a:ext uri="{28A0092B-C50C-407E-A947-70E740481C1C}">
                 <a14:useLocalDpi xmlns:a14="http://schemas.microsoft.com/office/drawing/2010/main" val="0"/>
@@ -7450,7 +7656,7 @@
         </p:blipFill>
         <p:spPr bwMode="auto">
           <a:xfrm>
-            <a:off x="5660415" y="1835394"/>
+            <a:off x="6005855" y="2353554"/>
             <a:ext cx="5114925" cy="2279406"/>
           </a:xfrm>
           <a:prstGeom prst="rect">
@@ -7481,12 +7687,36 @@
           </a:extLst>
         </p:spPr>
       </p:pic>
+      <p:sp>
+        <p:nvSpPr>
+          <p:cNvPr id="2" name="Text Box 1"/>
+          <p:cNvSpPr txBox="1"/>
+          <p:nvPr/>
+        </p:nvSpPr>
+        <p:spPr>
+          <a:xfrm>
+            <a:off x="508635" y="365760"/>
+            <a:ext cx="2998470" cy="460375"/>
+          </a:xfrm>
+          <a:prstGeom prst="rect">
+            <a:avLst/>
+          </a:prstGeom>
+          <a:noFill/>
+        </p:spPr>
+        <p:txBody>
+          <a:bodyPr wrap="none" rtlCol="0">
+            <a:spAutoFit/>
+          </a:bodyPr>
+          <a:p>
+            <a:r>
+              <a:rPr lang="en-IN" altLang="en-US" sz="2400"/>
+              <a:t>Adaboost Classifier</a:t>
+            </a:r>
+            <a:endParaRPr lang="en-IN" altLang="en-US" sz="2400"/>
+          </a:p>
+        </p:txBody>
+      </p:sp>
     </p:spTree>
-    <p:extLst>
-      <p:ext uri="{BB962C8B-B14F-4D97-AF65-F5344CB8AC3E}">
-        <p14:creationId xmlns:p14="http://schemas.microsoft.com/office/powerpoint/2010/main" val="2666047500"/>
-      </p:ext>
-    </p:extLst>
   </p:cSld>
   <p:clrMapOvr>
     <a:masterClrMapping/>
@@ -7520,7 +7750,7 @@
           <p:nvPr/>
         </p:nvPicPr>
         <p:blipFill>
-          <a:blip r:embed="rId2">
+          <a:blip r:embed="rId1">
             <a:extLst>
               <a:ext uri="{28A0092B-C50C-407E-A947-70E740481C1C}">
                 <a14:useLocalDpi xmlns:a14="http://schemas.microsoft.com/office/drawing/2010/main" val="0"/>
@@ -7534,7 +7764,7 @@
         </p:blipFill>
         <p:spPr bwMode="auto">
           <a:xfrm>
-            <a:off x="664919" y="368177"/>
+            <a:off x="349959" y="1008257"/>
             <a:ext cx="4926989" cy="5680929"/>
           </a:xfrm>
           <a:prstGeom prst="rect">
@@ -7574,7 +7804,7 @@
           <p:nvPr/>
         </p:nvPicPr>
         <p:blipFill>
-          <a:blip r:embed="rId3">
+          <a:blip r:embed="rId2">
             <a:extLst>
               <a:ext uri="{28A0092B-C50C-407E-A947-70E740481C1C}">
                 <a14:useLocalDpi xmlns:a14="http://schemas.microsoft.com/office/drawing/2010/main" val="0"/>
@@ -7588,7 +7818,7 @@
         </p:blipFill>
         <p:spPr bwMode="auto">
           <a:xfrm>
-            <a:off x="5815013" y="1873128"/>
+            <a:off x="5916613" y="2325248"/>
             <a:ext cx="5301882" cy="2206503"/>
           </a:xfrm>
           <a:prstGeom prst="rect">
@@ -7619,12 +7849,36 @@
           </a:extLst>
         </p:spPr>
       </p:pic>
+      <p:sp>
+        <p:nvSpPr>
+          <p:cNvPr id="2" name="Text Box 1"/>
+          <p:cNvSpPr txBox="1"/>
+          <p:nvPr/>
+        </p:nvSpPr>
+        <p:spPr>
+          <a:xfrm>
+            <a:off x="487680" y="325120"/>
+            <a:ext cx="2975610" cy="460375"/>
+          </a:xfrm>
+          <a:prstGeom prst="rect">
+            <a:avLst/>
+          </a:prstGeom>
+          <a:noFill/>
+        </p:spPr>
+        <p:txBody>
+          <a:bodyPr wrap="none" rtlCol="0">
+            <a:spAutoFit/>
+          </a:bodyPr>
+          <a:p>
+            <a:r>
+              <a:rPr lang="en-IN" altLang="en-US" sz="2400"/>
+              <a:t>Extra TreesClassifier</a:t>
+            </a:r>
+            <a:endParaRPr lang="en-IN" altLang="en-US" sz="2400"/>
+          </a:p>
+        </p:txBody>
+      </p:sp>
     </p:spTree>
-    <p:extLst>
-      <p:ext uri="{BB962C8B-B14F-4D97-AF65-F5344CB8AC3E}">
-        <p14:creationId xmlns:p14="http://schemas.microsoft.com/office/powerpoint/2010/main" val="2092979141"/>
-      </p:ext>
-    </p:extLst>
   </p:cSld>
   <p:clrMapOvr>
     <a:masterClrMapping/>
@@ -7658,7 +7912,7 @@
           <p:nvPr/>
         </p:nvPicPr>
         <p:blipFill>
-          <a:blip r:embed="rId2">
+          <a:blip r:embed="rId1">
             <a:extLst>
               <a:ext uri="{28A0092B-C50C-407E-A947-70E740481C1C}">
                 <a14:useLocalDpi xmlns:a14="http://schemas.microsoft.com/office/drawing/2010/main" val="0"/>
@@ -7672,7 +7926,7 @@
         </p:blipFill>
         <p:spPr bwMode="auto">
           <a:xfrm>
-            <a:off x="805229" y="265601"/>
+            <a:off x="185469" y="1322241"/>
             <a:ext cx="5374686" cy="5255968"/>
           </a:xfrm>
           <a:prstGeom prst="rect">
@@ -7712,7 +7966,7 @@
           <p:nvPr/>
         </p:nvPicPr>
         <p:blipFill>
-          <a:blip r:embed="rId3">
+          <a:blip r:embed="rId2">
             <a:extLst>
               <a:ext uri="{28A0092B-C50C-407E-A947-70E740481C1C}">
                 <a14:useLocalDpi xmlns:a14="http://schemas.microsoft.com/office/drawing/2010/main" val="0"/>
@@ -7726,7 +7980,7 @@
         </p:blipFill>
         <p:spPr bwMode="auto">
           <a:xfrm>
-            <a:off x="6471505" y="1883934"/>
+            <a:off x="6684865" y="2473214"/>
             <a:ext cx="4829175" cy="2183973"/>
           </a:xfrm>
           <a:prstGeom prst="rect">
@@ -7757,12 +8011,36 @@
           </a:extLst>
         </p:spPr>
       </p:pic>
+      <p:sp>
+        <p:nvSpPr>
+          <p:cNvPr id="2" name="Text Box 1"/>
+          <p:cNvSpPr txBox="1"/>
+          <p:nvPr/>
+        </p:nvSpPr>
+        <p:spPr>
+          <a:xfrm>
+            <a:off x="185420" y="497840"/>
+            <a:ext cx="3034665" cy="460375"/>
+          </a:xfrm>
+          <a:prstGeom prst="rect">
+            <a:avLst/>
+          </a:prstGeom>
+          <a:noFill/>
+        </p:spPr>
+        <p:txBody>
+          <a:bodyPr wrap="none" rtlCol="0">
+            <a:spAutoFit/>
+          </a:bodyPr>
+          <a:p>
+            <a:r>
+              <a:rPr lang="en-IN" altLang="en-US" sz="2400"/>
+              <a:t>XGB Boost Classifier</a:t>
+            </a:r>
+            <a:endParaRPr lang="en-IN" altLang="en-US" sz="2400"/>
+          </a:p>
+        </p:txBody>
+      </p:sp>
     </p:spTree>
-    <p:extLst>
-      <p:ext uri="{BB962C8B-B14F-4D97-AF65-F5344CB8AC3E}">
-        <p14:creationId xmlns:p14="http://schemas.microsoft.com/office/powerpoint/2010/main" val="3369791390"/>
-      </p:ext>
-    </p:extLst>
   </p:cSld>
   <p:clrMapOvr>
     <a:masterClrMapping/>
@@ -7797,12 +8075,27 @@
             <p:ph type="title"/>
           </p:nvPr>
         </p:nvSpPr>
-        <p:spPr/>
+        <p:spPr>
+          <a:xfrm>
+            <a:off x="-396240" y="-119547"/>
+            <a:ext cx="8610600" cy="1293028"/>
+          </a:xfrm>
+        </p:spPr>
         <p:txBody>
           <a:bodyPr/>
           <a:lstStyle/>
           <a:p>
-            <a:endParaRPr lang="en-IN"/>
+            <a:r>
+              <a:rPr lang="en-IN">
+                <a:latin typeface="Algerian" panose="04020705040A02060702" pitchFamily="82" charset="0"/>
+                <a:cs typeface="Algerian" panose="04020705040A02060702" pitchFamily="82" charset="0"/>
+              </a:rPr>
+              <a:t>Finalize the model</a:t>
+            </a:r>
+            <a:endParaRPr lang="en-IN">
+              <a:latin typeface="Algerian" panose="04020705040A02060702" pitchFamily="82" charset="0"/>
+              <a:cs typeface="Algerian" panose="04020705040A02060702" pitchFamily="82" charset="0"/>
+            </a:endParaRPr>
           </a:p>
         </p:txBody>
       </p:sp>
@@ -7816,21 +8109,231 @@
             <p:ph idx="1"/>
           </p:nvPr>
         </p:nvSpPr>
-        <p:spPr/>
+        <p:spPr>
+          <a:xfrm>
+            <a:off x="401320" y="4795520"/>
+            <a:ext cx="11582400" cy="1351915"/>
+          </a:xfrm>
+        </p:spPr>
         <p:txBody>
           <a:bodyPr/>
           <a:lstStyle/>
           <a:p>
+            <a:pPr marL="0" indent="0">
+              <a:buNone/>
+            </a:pPr>
+            <a:r>
+              <a:rPr lang="en-IN"/>
+              <a:t>From the above visualization and matrices found that the RandomForest Classifier performed the best 98% AOC_ROC_SCORE, with precision recall score of 95%, however the max score which we were able to achieve from dataset provided.</a:t>
+            </a:r>
             <a:endParaRPr lang="en-IN"/>
           </a:p>
-        </p:txBody>
-      </p:sp>
+          <a:p>
+            <a:endParaRPr lang="en-IN"/>
+          </a:p>
+        </p:txBody>
+      </p:sp>
+      <p:graphicFrame>
+        <p:nvGraphicFramePr>
+          <p:cNvPr id="4" name="Object 3"/>
+          <p:cNvGraphicFramePr/>
+          <p:nvPr/>
+        </p:nvGraphicFramePr>
+        <p:xfrm>
+          <a:off x="892175" y="1039495"/>
+          <a:ext cx="6033770" cy="2493645"/>
+        </p:xfrm>
+        <a:graphic>
+          <a:graphicData uri="http://schemas.openxmlformats.org/presentationml/2006/ole">
+            <mc:AlternateContent xmlns:mc="http://schemas.openxmlformats.org/markup-compatibility/2006">
+              <mc:Choice xmlns:v="urn:schemas-microsoft-com:vml" Requires="v">
+                <p:oleObj spid="_x0000_s5" name="" r:id="rId1" imgW="10271760" imgH="2095500" progId="Paint.Picture">
+                  <p:embed/>
+                </p:oleObj>
+              </mc:Choice>
+              <mc:Fallback>
+                <p:oleObj name="" r:id="rId1" imgW="10271760" imgH="2095500" progId="Paint.Picture">
+                  <p:embed/>
+                  <p:pic>
+                    <p:nvPicPr>
+                      <p:cNvPr id="0" name="Picture 4"/>
+                      <p:cNvPicPr/>
+                      <p:nvPr/>
+                    </p:nvPicPr>
+                    <p:blipFill>
+                      <a:blip r:embed="rId2"/>
+                      <a:stretch>
+                        <a:fillRect/>
+                      </a:stretch>
+                    </p:blipFill>
+                    <p:spPr>
+                      <a:xfrm>
+                        <a:off x="892175" y="1039495"/>
+                        <a:ext cx="6033770" cy="2493645"/>
+                      </a:xfrm>
+                      <a:prstGeom prst="rect">
+                        <a:avLst/>
+                      </a:prstGeom>
+                    </p:spPr>
+                  </p:pic>
+                </p:oleObj>
+              </mc:Fallback>
+            </mc:AlternateContent>
+          </a:graphicData>
+        </a:graphic>
+      </p:graphicFrame>
+      <p:pic>
+        <p:nvPicPr>
+          <p:cNvPr id="34" name="Picture 34"/>
+          <p:cNvPicPr/>
+          <p:nvPr/>
+        </p:nvPicPr>
+        <p:blipFill>
+          <a:blip r:embed="rId3">
+            <a:extLst>
+              <a:ext uri="{28A0092B-C50C-407E-A947-70E740481C1C}">
+                <a14:useLocalDpi xmlns:a14="http://schemas.microsoft.com/office/drawing/2010/main" val="0"/>
+              </a:ext>
+            </a:extLst>
+          </a:blip>
+          <a:srcRect/>
+          <a:stretch>
+            <a:fillRect/>
+          </a:stretch>
+        </p:blipFill>
+        <p:spPr bwMode="auto">
+          <a:xfrm>
+            <a:off x="8128000" y="1173480"/>
+            <a:ext cx="3093720" cy="2225040"/>
+          </a:xfrm>
+          <a:prstGeom prst="rect">
+            <a:avLst/>
+          </a:prstGeom>
+          <a:noFill/>
+          <a:ln>
+            <a:noFill/>
+          </a:ln>
+        </p:spPr>
+      </p:pic>
     </p:spTree>
-    <p:extLst>
-      <p:ext uri="{BB962C8B-B14F-4D97-AF65-F5344CB8AC3E}">
-        <p14:creationId xmlns:p14="http://schemas.microsoft.com/office/powerpoint/2010/main" val="3596973085"/>
-      </p:ext>
-    </p:extLst>
+  </p:cSld>
+  <p:clrMapOvr>
+    <a:masterClrMapping/>
+  </p:clrMapOvr>
+</p:sld>
+</file>
+
+<file path=ppt/slides/slide19.xml><?xml version="1.0" encoding="utf-8"?>
+<p:sld xmlns:a="http://schemas.openxmlformats.org/drawingml/2006/main" xmlns:r="http://schemas.openxmlformats.org/officeDocument/2006/relationships" xmlns:p="http://schemas.openxmlformats.org/presentationml/2006/main">
+  <p:cSld>
+    <p:spTree>
+      <p:nvGrpSpPr>
+        <p:cNvPr id="1" name=""/>
+        <p:cNvGrpSpPr/>
+        <p:nvPr/>
+      </p:nvGrpSpPr>
+      <p:grpSpPr/>
+      <p:sp>
+        <p:nvSpPr>
+          <p:cNvPr id="2" name="Title 1"/>
+          <p:cNvSpPr>
+            <a:spLocks noGrp="1"/>
+          </p:cNvSpPr>
+          <p:nvPr>
+            <p:ph type="title"/>
+          </p:nvPr>
+        </p:nvSpPr>
+        <p:spPr>
+          <a:xfrm>
+            <a:off x="446405" y="83820"/>
+            <a:ext cx="5645150" cy="1292860"/>
+          </a:xfrm>
+        </p:spPr>
+        <p:txBody>
+          <a:bodyPr/>
+          <a:p>
+            <a:r>
+              <a:rPr lang="en-IN" altLang="en-US">
+                <a:latin typeface="Algerian" panose="04020705040A02060702" pitchFamily="82" charset="0"/>
+                <a:cs typeface="Algerian" panose="04020705040A02060702" pitchFamily="82" charset="0"/>
+              </a:rPr>
+              <a:t>FEATURE iMPORTANCE</a:t>
+            </a:r>
+            <a:endParaRPr lang="en-IN" altLang="en-US">
+              <a:latin typeface="Algerian" panose="04020705040A02060702" pitchFamily="82" charset="0"/>
+              <a:cs typeface="Algerian" panose="04020705040A02060702" pitchFamily="82" charset="0"/>
+            </a:endParaRPr>
+          </a:p>
+        </p:txBody>
+      </p:sp>
+      <p:pic>
+        <p:nvPicPr>
+          <p:cNvPr id="35" name="Picture 35"/>
+          <p:cNvPicPr>
+            <a:picLocks noChangeAspect="1"/>
+          </p:cNvPicPr>
+          <p:nvPr>
+            <p:ph idx="1"/>
+          </p:nvPr>
+        </p:nvPicPr>
+        <p:blipFill>
+          <a:blip r:embed="rId1">
+            <a:extLst>
+              <a:ext uri="{28A0092B-C50C-407E-A947-70E740481C1C}">
+                <a14:useLocalDpi xmlns:a14="http://schemas.microsoft.com/office/drawing/2010/main" val="0"/>
+              </a:ext>
+            </a:extLst>
+          </a:blip>
+          <a:srcRect/>
+          <a:stretch>
+            <a:fillRect/>
+          </a:stretch>
+        </p:blipFill>
+        <p:spPr bwMode="auto">
+          <a:xfrm>
+            <a:off x="507365" y="1258570"/>
+            <a:ext cx="7546975" cy="3103245"/>
+          </a:xfrm>
+          <a:prstGeom prst="rect">
+            <a:avLst/>
+          </a:prstGeom>
+          <a:noFill/>
+          <a:ln>
+            <a:noFill/>
+          </a:ln>
+        </p:spPr>
+      </p:pic>
+      <p:sp>
+        <p:nvSpPr>
+          <p:cNvPr id="4" name="Text Box 3"/>
+          <p:cNvSpPr txBox="1"/>
+          <p:nvPr/>
+        </p:nvSpPr>
+        <p:spPr>
+          <a:xfrm>
+            <a:off x="446405" y="4836160"/>
+            <a:ext cx="7852410" cy="368300"/>
+          </a:xfrm>
+          <a:prstGeom prst="rect">
+            <a:avLst/>
+          </a:prstGeom>
+          <a:noFill/>
+        </p:spPr>
+        <p:txBody>
+          <a:bodyPr wrap="none" rtlCol="0">
+            <a:spAutoFit/>
+          </a:bodyPr>
+          <a:p>
+            <a:pPr algn="l"/>
+            <a:r>
+              <a:rPr lang="en-US"/>
+              <a:t>Cnt_ma_rech90 is contribute the most as compared to other features</a:t>
+            </a:r>
+            <a:endParaRPr lang="en-US"/>
+          </a:p>
+        </p:txBody>
+      </p:sp>
+    </p:spTree>
   </p:cSld>
   <p:clrMapOvr>
     <a:masterClrMapping/>
@@ -7962,6 +8465,7 @@
               <a:rPr lang="en-US" dirty="0"/>
               <a:t>Points to Remember:</a:t>
             </a:r>
+            <a:endParaRPr lang="en-US" dirty="0"/>
           </a:p>
           <a:p>
             <a:pPr marL="0" indent="0">
@@ -7975,6 +8479,7 @@
               <a:rPr lang="en-US" dirty="0"/>
               <a:t>are no null values in the dataset. </a:t>
             </a:r>
+            <a:endParaRPr lang="en-US" dirty="0"/>
           </a:p>
           <a:p>
             <a:pPr marL="0" indent="0">
@@ -7988,6 +8493,7 @@
               <a:rPr lang="en-US" dirty="0"/>
               <a:t>may be some customers with no loan history. </a:t>
             </a:r>
+            <a:endParaRPr lang="en-US" dirty="0"/>
           </a:p>
           <a:p>
             <a:pPr marL="0" indent="0">
@@ -8009,6 +8515,7 @@
               <a:rPr lang="en-US" dirty="0"/>
               <a:t>12.5% records.</a:t>
             </a:r>
+            <a:endParaRPr lang="en-US" dirty="0"/>
           </a:p>
           <a:p>
             <a:pPr marL="0" indent="0">
@@ -8022,6 +8529,7 @@
               <a:rPr lang="en-US" dirty="0"/>
               <a:t>some features, there may be values which might not be realistic. You may have to observe them and treat them with a suitable explanation.</a:t>
             </a:r>
+            <a:endParaRPr lang="en-US" dirty="0"/>
           </a:p>
           <a:p>
             <a:pPr marL="0" indent="0">
@@ -8051,11 +8559,6 @@
         </p:txBody>
       </p:sp>
     </p:spTree>
-    <p:extLst>
-      <p:ext uri="{BB962C8B-B14F-4D97-AF65-F5344CB8AC3E}">
-        <p14:creationId xmlns:p14="http://schemas.microsoft.com/office/powerpoint/2010/main" val="61344725"/>
-      </p:ext>
-    </p:extLst>
   </p:cSld>
   <p:clrMapOvr>
     <a:masterClrMapping/>
@@ -8067,6 +8570,320 @@
       </p:par>
     </p:tnLst>
   </p:timing>
+</p:sld>
+</file>
+
+<file path=ppt/slides/slide20.xml><?xml version="1.0" encoding="utf-8"?>
+<p:sld xmlns:a="http://schemas.openxmlformats.org/drawingml/2006/main" xmlns:r="http://schemas.openxmlformats.org/officeDocument/2006/relationships" xmlns:p="http://schemas.openxmlformats.org/presentationml/2006/main">
+  <p:cSld>
+    <p:spTree>
+      <p:nvGrpSpPr>
+        <p:cNvPr id="1" name=""/>
+        <p:cNvGrpSpPr/>
+        <p:nvPr/>
+      </p:nvGrpSpPr>
+      <p:grpSpPr/>
+      <p:sp>
+        <p:nvSpPr>
+          <p:cNvPr id="2" name="Title 1"/>
+          <p:cNvSpPr>
+            <a:spLocks noGrp="1"/>
+          </p:cNvSpPr>
+          <p:nvPr>
+            <p:ph type="title"/>
+          </p:nvPr>
+        </p:nvSpPr>
+        <p:spPr>
+          <a:xfrm>
+            <a:off x="685800" y="-88900"/>
+            <a:ext cx="3966845" cy="1292860"/>
+          </a:xfrm>
+        </p:spPr>
+        <p:txBody>
+          <a:bodyPr/>
+          <a:p>
+            <a:r>
+              <a:rPr lang="en-US">
+                <a:latin typeface="Algerian" panose="04020705040A02060702" pitchFamily="82" charset="0"/>
+                <a:cs typeface="Algerian" panose="04020705040A02060702" pitchFamily="82" charset="0"/>
+              </a:rPr>
+              <a:t>CONCLUSION </a:t>
+            </a:r>
+            <a:endParaRPr lang="en-US">
+              <a:latin typeface="Algerian" panose="04020705040A02060702" pitchFamily="82" charset="0"/>
+              <a:cs typeface="Algerian" panose="04020705040A02060702" pitchFamily="82" charset="0"/>
+            </a:endParaRPr>
+          </a:p>
+        </p:txBody>
+      </p:sp>
+      <p:sp>
+        <p:nvSpPr>
+          <p:cNvPr id="3" name="Content Placeholder 2"/>
+          <p:cNvSpPr>
+            <a:spLocks noGrp="1"/>
+          </p:cNvSpPr>
+          <p:nvPr>
+            <p:ph idx="1"/>
+          </p:nvPr>
+        </p:nvSpPr>
+        <p:spPr>
+          <a:xfrm>
+            <a:off x="889000" y="1076960"/>
+            <a:ext cx="10820400" cy="5172075"/>
+          </a:xfrm>
+        </p:spPr>
+        <p:txBody>
+          <a:bodyPr>
+            <a:normAutofit fontScale="50000"/>
+          </a:bodyPr>
+          <a:p>
+            <a:pPr marL="0" indent="0">
+              <a:buNone/>
+            </a:pPr>
+            <a:r>
+              <a:rPr lang="en-US"/>
+              <a:t>1) 28% of Users having negative or zero balance are defaulters, which is very high.</a:t>
+            </a:r>
+            <a:endParaRPr lang="en-US"/>
+          </a:p>
+          <a:p>
+            <a:pPr marL="0" indent="0">
+              <a:buNone/>
+            </a:pPr>
+            <a:r>
+              <a:rPr lang="en-US"/>
+              <a:t>2) 10% to 12% Users are defaulters which falls in the category of Average and Low balancecategory.</a:t>
+            </a:r>
+            <a:endParaRPr lang="en-US"/>
+          </a:p>
+          <a:p>
+            <a:pPr marL="0" indent="0">
+              <a:buNone/>
+            </a:pPr>
+            <a:r>
+              <a:rPr lang="en-US"/>
+              <a:t>3) Users having high balance and are defaulters are very less in number</a:t>
+            </a:r>
+            <a:endParaRPr lang="en-US"/>
+          </a:p>
+          <a:p>
+            <a:pPr marL="0" indent="0">
+              <a:buNone/>
+            </a:pPr>
+            <a:r>
+              <a:rPr lang="en-IN" altLang="en-US"/>
+              <a:t>4</a:t>
+            </a:r>
+            <a:r>
+              <a:rPr lang="en-US"/>
+              <a:t>) Users who take more number of loans are non-defaulters (i.e. 98% of the category) as they repays the loan within the given time i.e. 5 days.</a:t>
+            </a:r>
+            <a:endParaRPr lang="en-US"/>
+          </a:p>
+          <a:p>
+            <a:pPr marL="0" indent="0">
+              <a:buNone/>
+            </a:pPr>
+            <a:r>
+              <a:rPr lang="en-IN" altLang="en-US"/>
+              <a:t>5</a:t>
+            </a:r>
+            <a:r>
+              <a:rPr lang="en-US"/>
+              <a:t>) 14% of the Users are are among the average number of loan taken category are defaulters.</a:t>
+            </a:r>
+            <a:endParaRPr lang="en-US"/>
+          </a:p>
+          <a:p>
+            <a:pPr marL="0" indent="0">
+              <a:buNone/>
+            </a:pPr>
+            <a:r>
+              <a:rPr lang="en-IN" altLang="en-US"/>
+              <a:t>6</a:t>
+            </a:r>
+            <a:r>
+              <a:rPr lang="en-US"/>
+              <a:t>) 40 % of the Users who do not even recharged in the 90 days are defaulters only.</a:t>
+            </a:r>
+            <a:endParaRPr lang="en-US"/>
+          </a:p>
+          <a:p>
+            <a:pPr marL="0" indent="0">
+              <a:buNone/>
+            </a:pPr>
+            <a:r>
+              <a:rPr lang="en-IN" altLang="en-US"/>
+              <a:t>7</a:t>
+            </a:r>
+            <a:r>
+              <a:rPr lang="en-US"/>
+              <a:t>) Users who do very high amount of recharge always pays their loans on time. i.e 98% of them are non-defaulters.    	</a:t>
+            </a:r>
+            <a:endParaRPr lang="en-US"/>
+          </a:p>
+          <a:p>
+            <a:pPr marL="0" indent="0">
+              <a:buNone/>
+            </a:pPr>
+            <a:r>
+              <a:rPr lang="en-IN" altLang="en-US"/>
+              <a:t>8</a:t>
+            </a:r>
+            <a:r>
+              <a:rPr lang="en-US"/>
+              <a:t>) 34% of the Users who do less amount of recharge are defaulters.</a:t>
+            </a:r>
+            <a:endParaRPr lang="en-US"/>
+          </a:p>
+          <a:p>
+            <a:pPr marL="0" indent="0">
+              <a:buNone/>
+            </a:pPr>
+            <a:r>
+              <a:rPr lang="en-IN" altLang="en-US"/>
+              <a:t>9</a:t>
+            </a:r>
+            <a:r>
+              <a:rPr lang="en-US"/>
+              <a:t>) Users who did not take any loans are non-defaulters.</a:t>
+            </a:r>
+            <a:endParaRPr lang="en-US"/>
+          </a:p>
+          <a:p>
+            <a:pPr marL="0" indent="0">
+              <a:buNone/>
+            </a:pPr>
+            <a:r>
+              <a:rPr lang="en-IN" altLang="en-US"/>
+              <a:t>10</a:t>
+            </a:r>
+            <a:r>
+              <a:rPr lang="en-US"/>
+              <a:t>) Most of the Users (i.e. 97%) who take large amount of loans comes under non defaulter category.</a:t>
+            </a:r>
+            <a:endParaRPr lang="en-US"/>
+          </a:p>
+          <a:p>
+            <a:pPr marL="0" indent="0">
+              <a:buNone/>
+            </a:pPr>
+            <a:r>
+              <a:rPr lang="en-IN" altLang="en-US"/>
+              <a:t>11</a:t>
+            </a:r>
+            <a:r>
+              <a:rPr lang="en-US"/>
+              <a:t>) 17% of the users who take small loans are defaulters.</a:t>
+            </a:r>
+            <a:endParaRPr lang="en-US"/>
+          </a:p>
+          <a:p>
+            <a:pPr marL="0" indent="0">
+              <a:buNone/>
+            </a:pPr>
+            <a:r>
+              <a:rPr lang="en-US"/>
+              <a:t>1</a:t>
+            </a:r>
+            <a:r>
+              <a:rPr lang="en-IN" altLang="en-US"/>
+              <a:t>2</a:t>
+            </a:r>
+            <a:r>
+              <a:rPr lang="en-US"/>
+              <a:t>) Among the Users who have not done a single recharge in 3 months 40% are defaulters.</a:t>
+            </a:r>
+            <a:endParaRPr lang="en-US"/>
+          </a:p>
+          <a:p>
+            <a:pPr marL="0" indent="0">
+              <a:buNone/>
+            </a:pPr>
+            <a:r>
+              <a:rPr lang="en-IN" altLang="en-US"/>
+              <a:t>13</a:t>
+            </a:r>
+            <a:r>
+              <a:rPr lang="en-US"/>
+              <a:t>) Among the Users who are very frequent in recharging and who always pay their loans on time are more in number i.e 99% of the total category, which is a good news for the company.</a:t>
+            </a:r>
+            <a:endParaRPr lang="en-US"/>
+          </a:p>
+          <a:p>
+            <a:pPr marL="0" indent="0">
+              <a:buNone/>
+            </a:pPr>
+            <a:r>
+              <a:rPr lang="en-US"/>
+              <a:t>1</a:t>
+            </a:r>
+            <a:r>
+              <a:rPr lang="en-IN" altLang="en-US"/>
+              <a:t>4</a:t>
+            </a:r>
+            <a:r>
+              <a:rPr lang="en-US"/>
+              <a:t>) 32% of the users who are defaulters are the new users.</a:t>
+            </a:r>
+            <a:endParaRPr lang="en-US"/>
+          </a:p>
+          <a:p>
+            <a:pPr marL="0" indent="0">
+              <a:buNone/>
+            </a:pPr>
+            <a:r>
+              <a:rPr lang="en-IN" altLang="en-US"/>
+              <a:t>15</a:t>
+            </a:r>
+            <a:r>
+              <a:rPr lang="en-US"/>
+              <a:t>) Old Users are trusted and they are mostly non defaulters.</a:t>
+            </a:r>
+            <a:endParaRPr lang="en-US"/>
+          </a:p>
+          <a:p>
+            <a:pPr marL="0" indent="0">
+              <a:buNone/>
+            </a:pPr>
+            <a:r>
+              <a:rPr lang="en-IN" altLang="en-US"/>
+              <a:t>16)Random forest performs the best as compared to others models with high f1 score of 95% and roc_auc score 98% .</a:t>
+            </a:r>
+            <a:endParaRPr lang="en-IN" altLang="en-US"/>
+          </a:p>
+          <a:p>
+            <a:pPr marL="0" indent="0">
+              <a:buNone/>
+            </a:pPr>
+            <a:r>
+              <a:rPr lang="en-IN" altLang="en-US"/>
+              <a:t>17)</a:t>
+            </a:r>
+            <a:r>
+              <a:rPr lang="en-US">
+                <a:sym typeface="+mn-ea"/>
+              </a:rPr>
+              <a:t>Cnt_ma_rech90 is contribute the most as compared to other features</a:t>
+            </a:r>
+            <a:endParaRPr lang="en-US"/>
+          </a:p>
+          <a:p>
+            <a:pPr marL="0" indent="0">
+              <a:buNone/>
+            </a:pPr>
+            <a:endParaRPr lang="en-US"/>
+          </a:p>
+          <a:p>
+            <a:endParaRPr lang="en-US"/>
+          </a:p>
+        </p:txBody>
+      </p:sp>
+    </p:spTree>
+  </p:cSld>
+  <p:clrMapOvr>
+    <a:masterClrMapping/>
+  </p:clrMapOvr>
 </p:sld>
 </file>
 
@@ -8115,10 +8932,6 @@
               </a:rPr>
               <a:t>Analytical Problem Framing</a:t>
             </a:r>
-            <a:r>
-              <a:rPr lang="en-IN" dirty="0"/>
-              <a:t/>
-            </a:r>
             <a:br>
               <a:rPr lang="en-IN" dirty="0"/>
             </a:br>
@@ -8152,24 +8965,28 @@
               <a:rPr lang="en-IN" dirty="0"/>
               <a:t>From the above statistical summary of the above part of the dataset, we can see that the min value is negative which is not even possible for most of the features like daily recharge and main account balance, and last recharge can't be negative.</a:t>
             </a:r>
+            <a:endParaRPr lang="en-IN" dirty="0"/>
           </a:p>
           <a:p>
             <a:r>
               <a:rPr lang="en-IN" dirty="0"/>
               <a:t>We created multiple group based on min, 25% to 75%, above 75% and we compared it VS payback within 5 days.</a:t>
             </a:r>
+            <a:endParaRPr lang="en-IN" dirty="0"/>
           </a:p>
           <a:p>
             <a:r>
               <a:rPr lang="en-IN" dirty="0"/>
               <a:t>We identified the outliers for features whose Z-score&gt;3, and then did mean imputing and also applied cube root to bring the data closer to distribution.</a:t>
             </a:r>
+            <a:endParaRPr lang="en-IN" dirty="0"/>
           </a:p>
           <a:p>
             <a:r>
               <a:rPr lang="en-IN" dirty="0"/>
               <a:t>We checked the correlation of the independent and dependent features and dropped the negative and less important features with the help of correlation matrix.</a:t>
             </a:r>
+            <a:endParaRPr lang="en-IN" dirty="0"/>
           </a:p>
           <a:p>
             <a:endParaRPr lang="en-IN" dirty="0"/>
@@ -8183,7 +9000,7 @@
           <p:nvPr/>
         </p:nvPicPr>
         <p:blipFill>
-          <a:blip r:embed="rId2">
+          <a:blip r:embed="rId1">
             <a:extLst>
               <a:ext uri="{28A0092B-C50C-407E-A947-70E740481C1C}">
                 <a14:useLocalDpi xmlns:a14="http://schemas.microsoft.com/office/drawing/2010/main" val="0"/>
@@ -8210,11 +9027,6 @@
         </p:spPr>
       </p:pic>
     </p:spTree>
-    <p:extLst>
-      <p:ext uri="{BB962C8B-B14F-4D97-AF65-F5344CB8AC3E}">
-        <p14:creationId xmlns:p14="http://schemas.microsoft.com/office/powerpoint/2010/main" val="1395695782"/>
-      </p:ext>
-    </p:extLst>
   </p:cSld>
   <p:clrMapOvr>
     <a:masterClrMapping/>
@@ -8275,6 +9087,9 @@
               </a:rPr>
               <a:t>Data Pre-processing Done</a:t>
             </a:r>
+            <a:endParaRPr lang="en-IN" dirty="0">
+              <a:latin typeface="Algerian" panose="04020705040A02060702" pitchFamily="82" charset="0"/>
+            </a:endParaRPr>
           </a:p>
         </p:txBody>
       </p:sp>
@@ -8308,6 +9123,7 @@
               <a:rPr lang="en-IN" dirty="0"/>
               <a:t>We checked the correlation of the independent and dependent features and dropped the negative and less important features with the help of correlation matrix.</a:t>
             </a:r>
+            <a:endParaRPr lang="en-IN" dirty="0"/>
           </a:p>
           <a:p>
             <a:pPr marL="342900" lvl="0" indent="-342900">
@@ -8318,6 +9134,7 @@
               <a:rPr lang="en-IN" dirty="0"/>
               <a:t>There were data for 30 and 90 days, so considering data for 90 days is adding more information rather than then data of 30 days.</a:t>
             </a:r>
+            <a:endParaRPr lang="en-IN" dirty="0"/>
           </a:p>
           <a:p>
             <a:pPr marL="342900" lvl="0" indent="-342900">
@@ -8328,6 +9145,7 @@
               <a:rPr lang="en-IN" dirty="0"/>
               <a:t>Some features can’t have any negative value, so those features were treated accordingly.</a:t>
             </a:r>
+            <a:endParaRPr lang="en-IN" dirty="0"/>
           </a:p>
           <a:p>
             <a:pPr marL="342900" lvl="0" indent="-342900">
@@ -8346,6 +9164,7 @@
               <a:rPr lang="en-IN" dirty="0"/>
               <a:t> from outliers.</a:t>
             </a:r>
+            <a:endParaRPr lang="en-IN" dirty="0"/>
           </a:p>
           <a:p>
             <a:pPr marL="342900" lvl="0" indent="-342900">
@@ -8364,6 +9183,7 @@
               <a:rPr lang="en-IN" dirty="0"/>
               <a:t> less than the 7% which was stated in the documentation. </a:t>
             </a:r>
+            <a:endParaRPr lang="en-IN" dirty="0"/>
           </a:p>
           <a:p>
             <a:pPr marL="342900" lvl="0" indent="-342900">
@@ -8382,6 +9202,7 @@
               <a:rPr lang="en-IN" dirty="0"/>
               <a:t>, to balance the dataset as the dataset was imbalanced dataset.</a:t>
             </a:r>
+            <a:endParaRPr lang="en-IN" dirty="0"/>
           </a:p>
           <a:p>
             <a:pPr marL="342900" lvl="0" indent="-342900">
@@ -8400,6 +9221,7 @@
               <a:rPr lang="en-IN" dirty="0"/>
               <a:t> to our dependent features.</a:t>
             </a:r>
+            <a:endParaRPr lang="en-IN" dirty="0"/>
           </a:p>
           <a:p>
             <a:pPr marL="342900" lvl="0" indent="-342900">
@@ -8410,6 +9232,7 @@
               <a:rPr lang="en-IN" dirty="0"/>
               <a:t>Applied various machine learning model and compared it.</a:t>
             </a:r>
+            <a:endParaRPr lang="en-IN" dirty="0"/>
           </a:p>
           <a:p>
             <a:pPr marL="342900" lvl="0" indent="-342900">
@@ -8428,6 +9251,7 @@
               <a:rPr lang="en-IN" dirty="0"/>
               <a:t> several models, but couldn’t achieve much better results.</a:t>
             </a:r>
+            <a:endParaRPr lang="en-IN" dirty="0"/>
           </a:p>
           <a:p>
             <a:pPr marL="342900" lvl="0" indent="-342900">
@@ -8438,15 +9262,11 @@
               <a:rPr lang="en-IN" dirty="0"/>
               <a:t>Saving final predictions in file.csv format</a:t>
             </a:r>
+            <a:endParaRPr lang="en-IN" dirty="0"/>
           </a:p>
         </p:txBody>
       </p:sp>
     </p:spTree>
-    <p:extLst>
-      <p:ext uri="{BB962C8B-B14F-4D97-AF65-F5344CB8AC3E}">
-        <p14:creationId xmlns:p14="http://schemas.microsoft.com/office/powerpoint/2010/main" val="3011878536"/>
-      </p:ext>
-    </p:extLst>
   </p:cSld>
   <p:clrMapOvr>
     <a:masterClrMapping/>
@@ -8507,10 +9327,6 @@
               </a:rPr>
               <a:t>Data Inputs- Logic- Output Relationships</a:t>
             </a:r>
-            <a:r>
-              <a:rPr lang="en-IN" dirty="0"/>
-              <a:t/>
-            </a:r>
             <a:br>
               <a:rPr lang="en-IN" dirty="0"/>
             </a:br>
@@ -8529,7 +9345,7 @@
           </p:nvPr>
         </p:nvPicPr>
         <p:blipFill>
-          <a:blip r:embed="rId2"/>
+          <a:blip r:embed="rId1"/>
           <a:stretch>
             <a:fillRect/>
           </a:stretch>
@@ -8553,7 +9369,7 @@
           <p:nvPr/>
         </p:nvPicPr>
         <p:blipFill>
-          <a:blip r:embed="rId3"/>
+          <a:blip r:embed="rId2"/>
           <a:stretch>
             <a:fillRect/>
           </a:stretch>
@@ -8568,12 +9384,91 @@
           </a:prstGeom>
         </p:spPr>
       </p:pic>
+      <p:sp>
+        <p:nvSpPr>
+          <p:cNvPr id="3" name="Text Box 2"/>
+          <p:cNvSpPr txBox="1"/>
+          <p:nvPr/>
+        </p:nvSpPr>
+        <p:spPr>
+          <a:xfrm>
+            <a:off x="166370" y="4587240"/>
+            <a:ext cx="5201920" cy="2030095"/>
+          </a:xfrm>
+          <a:prstGeom prst="rect">
+            <a:avLst/>
+          </a:prstGeom>
+          <a:noFill/>
+        </p:spPr>
+        <p:txBody>
+          <a:bodyPr wrap="square" rtlCol="0">
+            <a:spAutoFit/>
+          </a:bodyPr>
+          <a:p>
+            <a:pPr algn="l"/>
+            <a:r>
+              <a:rPr lang="en-US"/>
+              <a:t>1) 28% of Users having negative or zero balance are defaulters, which is very high.</a:t>
+            </a:r>
+            <a:endParaRPr lang="en-US"/>
+          </a:p>
+          <a:p>
+            <a:pPr algn="l"/>
+            <a:r>
+              <a:rPr lang="en-US"/>
+              <a:t>2) 10% to 12% Users are defaulters which falls in the category of Average and Low balancecategory.</a:t>
+            </a:r>
+            <a:endParaRPr lang="en-US"/>
+          </a:p>
+          <a:p>
+            <a:pPr algn="l"/>
+            <a:r>
+              <a:rPr lang="en-US"/>
+              <a:t>3) Users having high balance and are defaulters are very less in number</a:t>
+            </a:r>
+            <a:endParaRPr lang="en-US"/>
+          </a:p>
+        </p:txBody>
+      </p:sp>
+      <p:sp>
+        <p:nvSpPr>
+          <p:cNvPr id="4" name="Text Box 3"/>
+          <p:cNvSpPr txBox="1"/>
+          <p:nvPr/>
+        </p:nvSpPr>
+        <p:spPr>
+          <a:xfrm>
+            <a:off x="5800725" y="4472305"/>
+            <a:ext cx="6336030" cy="1476375"/>
+          </a:xfrm>
+          <a:prstGeom prst="rect">
+            <a:avLst/>
+          </a:prstGeom>
+          <a:noFill/>
+        </p:spPr>
+        <p:txBody>
+          <a:bodyPr wrap="square" rtlCol="0">
+            <a:spAutoFit/>
+          </a:bodyPr>
+          <a:p>
+            <a:pPr algn="l"/>
+            <a:r>
+              <a:rPr lang="en-US"/>
+              <a:t>1) Users who take more number of loans are non-defaulters (i.e. 98% of the category) as they repays the loan within the given time i.e. 5 days.</a:t>
+            </a:r>
+            <a:endParaRPr lang="en-US"/>
+          </a:p>
+          <a:p>
+            <a:pPr algn="l"/>
+            <a:r>
+              <a:rPr lang="en-US"/>
+              <a:t>2) 14% of the Users are are among the average number of loan taken category are defaulters.</a:t>
+            </a:r>
+            <a:endParaRPr lang="en-US"/>
+          </a:p>
+        </p:txBody>
+      </p:sp>
     </p:spTree>
-    <p:extLst>
-      <p:ext uri="{BB962C8B-B14F-4D97-AF65-F5344CB8AC3E}">
-        <p14:creationId xmlns:p14="http://schemas.microsoft.com/office/powerpoint/2010/main" val="1817854537"/>
-      </p:ext>
-    </p:extLst>
   </p:cSld>
   <p:clrMapOvr>
     <a:masterClrMapping/>
@@ -8616,7 +9511,7 @@
           </p:nvPr>
         </p:nvPicPr>
         <p:blipFill>
-          <a:blip r:embed="rId2"/>
+          <a:blip r:embed="rId1"/>
           <a:stretch>
             <a:fillRect/>
           </a:stretch>
@@ -8640,7 +9535,7 @@
           <p:nvPr/>
         </p:nvPicPr>
         <p:blipFill>
-          <a:blip r:embed="rId3"/>
+          <a:blip r:embed="rId2"/>
           <a:stretch>
             <a:fillRect/>
           </a:stretch>
@@ -8655,12 +9550,53 @@
           </a:prstGeom>
         </p:spPr>
       </p:pic>
+      <p:sp>
+        <p:nvSpPr>
+          <p:cNvPr id="2" name="Text Box 1"/>
+          <p:cNvSpPr txBox="1"/>
+          <p:nvPr/>
+        </p:nvSpPr>
+        <p:spPr>
+          <a:xfrm>
+            <a:off x="190500" y="3677920"/>
+            <a:ext cx="5223510" cy="2030095"/>
+          </a:xfrm>
+          <a:prstGeom prst="rect">
+            <a:avLst/>
+          </a:prstGeom>
+          <a:noFill/>
+        </p:spPr>
+        <p:txBody>
+          <a:bodyPr wrap="square" rtlCol="0">
+            <a:spAutoFit/>
+          </a:bodyPr>
+          <a:p>
+            <a:pPr algn="l"/>
+            <a:r>
+              <a:rPr lang="en-US"/>
+              <a:t>1) 40 % of the Users who do not even recharged in the 90 days are defaulters only.</a:t>
+            </a:r>
+            <a:endParaRPr lang="en-US"/>
+          </a:p>
+          <a:p>
+            <a:pPr algn="l"/>
+            <a:r>
+              <a:rPr lang="en-US"/>
+              <a:t>2) Users who do very high amount of recharge always pays their loans on time. i.e 98% of them are non-defaulters.    	</a:t>
+            </a:r>
+            <a:endParaRPr lang="en-US"/>
+          </a:p>
+          <a:p>
+            <a:pPr algn="l"/>
+            <a:r>
+              <a:rPr lang="en-US"/>
+              <a:t>3) 34% of the Users who do less amount of recharge are defaulters.</a:t>
+            </a:r>
+            <a:endParaRPr lang="en-US"/>
+          </a:p>
+        </p:txBody>
+      </p:sp>
     </p:spTree>
-    <p:extLst>
-      <p:ext uri="{BB962C8B-B14F-4D97-AF65-F5344CB8AC3E}">
-        <p14:creationId xmlns:p14="http://schemas.microsoft.com/office/powerpoint/2010/main" val="1426651"/>
-      </p:ext>
-    </p:extLst>
   </p:cSld>
   <p:clrMapOvr>
     <a:masterClrMapping/>
@@ -8703,6 +9639,30 @@
           </p:nvPr>
         </p:nvPicPr>
         <p:blipFill>
+          <a:blip r:embed="rId1"/>
+          <a:stretch>
+            <a:fillRect/>
+          </a:stretch>
+        </p:blipFill>
+        <p:spPr>
+          <a:xfrm>
+            <a:off x="95250" y="6959"/>
+            <a:ext cx="3767138" cy="3231541"/>
+          </a:xfrm>
+          <a:prstGeom prst="rect">
+            <a:avLst/>
+          </a:prstGeom>
+        </p:spPr>
+      </p:pic>
+      <p:pic>
+        <p:nvPicPr>
+          <p:cNvPr id="6" name="Picture 5"/>
+          <p:cNvPicPr>
+            <a:picLocks noChangeAspect="1"/>
+          </p:cNvPicPr>
+          <p:nvPr/>
+        </p:nvPicPr>
+        <p:blipFill>
           <a:blip r:embed="rId2"/>
           <a:stretch>
             <a:fillRect/>
@@ -8710,8 +9670,8 @@
         </p:blipFill>
         <p:spPr>
           <a:xfrm>
-            <a:off x="95250" y="6959"/>
-            <a:ext cx="3767138" cy="3231541"/>
+            <a:off x="4238625" y="83160"/>
+            <a:ext cx="3524250" cy="3155340"/>
           </a:xfrm>
           <a:prstGeom prst="rect">
             <a:avLst/>
@@ -8720,7 +9680,7 @@
       </p:pic>
       <p:pic>
         <p:nvPicPr>
-          <p:cNvPr id="6" name="Picture 5"/>
+          <p:cNvPr id="7" name="Picture 6"/>
           <p:cNvPicPr>
             <a:picLocks noChangeAspect="1"/>
           </p:cNvPicPr>
@@ -8734,44 +9694,137 @@
         </p:blipFill>
         <p:spPr>
           <a:xfrm>
-            <a:off x="4238625" y="83160"/>
-            <a:ext cx="3524250" cy="3155340"/>
+            <a:off x="8139112" y="6961"/>
+            <a:ext cx="3929063" cy="3231539"/>
           </a:xfrm>
           <a:prstGeom prst="rect">
             <a:avLst/>
           </a:prstGeom>
         </p:spPr>
       </p:pic>
-      <p:pic>
-        <p:nvPicPr>
-          <p:cNvPr id="7" name="Picture 6"/>
-          <p:cNvPicPr>
-            <a:picLocks noChangeAspect="1"/>
-          </p:cNvPicPr>
+      <p:sp>
+        <p:nvSpPr>
+          <p:cNvPr id="2" name="Text Box 1"/>
+          <p:cNvSpPr txBox="1"/>
           <p:nvPr/>
-        </p:nvPicPr>
-        <p:blipFill>
-          <a:blip r:embed="rId4"/>
-          <a:stretch>
-            <a:fillRect/>
-          </a:stretch>
-        </p:blipFill>
-        <p:spPr>
-          <a:xfrm>
-            <a:off x="8139112" y="6961"/>
-            <a:ext cx="3929063" cy="3231539"/>
+        </p:nvSpPr>
+        <p:spPr>
+          <a:xfrm>
+            <a:off x="95250" y="3566160"/>
+            <a:ext cx="3767455" cy="2306955"/>
           </a:xfrm>
           <a:prstGeom prst="rect">
             <a:avLst/>
           </a:prstGeom>
-        </p:spPr>
-      </p:pic>
+          <a:noFill/>
+        </p:spPr>
+        <p:txBody>
+          <a:bodyPr wrap="square" rtlCol="0">
+            <a:spAutoFit/>
+          </a:bodyPr>
+          <a:p>
+            <a:pPr algn="l"/>
+            <a:r>
+              <a:rPr lang="en-US"/>
+              <a:t>1) Users who did not take any loans are non-defaulters.</a:t>
+            </a:r>
+            <a:endParaRPr lang="en-US"/>
+          </a:p>
+          <a:p>
+            <a:pPr algn="l"/>
+            <a:r>
+              <a:rPr lang="en-US"/>
+              <a:t>2) Most of the Users (i.e. 97%) who take large amount of loans comes under non defaulter category.</a:t>
+            </a:r>
+            <a:endParaRPr lang="en-US"/>
+          </a:p>
+          <a:p>
+            <a:pPr algn="l"/>
+            <a:r>
+              <a:rPr lang="en-US"/>
+              <a:t>3) 17% of the users who take small loans are defaulters.</a:t>
+            </a:r>
+            <a:endParaRPr lang="en-US"/>
+          </a:p>
+        </p:txBody>
+      </p:sp>
+      <p:sp>
+        <p:nvSpPr>
+          <p:cNvPr id="3" name="Text Box 2"/>
+          <p:cNvSpPr txBox="1"/>
+          <p:nvPr/>
+        </p:nvSpPr>
+        <p:spPr>
+          <a:xfrm>
+            <a:off x="4238625" y="3566160"/>
+            <a:ext cx="3304540" cy="3138170"/>
+          </a:xfrm>
+          <a:prstGeom prst="rect">
+            <a:avLst/>
+          </a:prstGeom>
+          <a:noFill/>
+        </p:spPr>
+        <p:txBody>
+          <a:bodyPr wrap="square" rtlCol="0">
+            <a:spAutoFit/>
+          </a:bodyPr>
+          <a:p>
+            <a:pPr algn="l"/>
+            <a:r>
+              <a:rPr lang="en-US"/>
+              <a:t>1) Among the Users who have not done a single recharge in 3 months 40% are defaulters.</a:t>
+            </a:r>
+            <a:endParaRPr lang="en-US"/>
+          </a:p>
+          <a:p>
+            <a:pPr algn="l"/>
+            <a:r>
+              <a:rPr lang="en-US"/>
+              <a:t>2) Among the Users who are very frequent in recharging and who always pay their loans on time are more in number i.e 99% of the total category, which is a good news for the company.</a:t>
+            </a:r>
+            <a:endParaRPr lang="en-US"/>
+          </a:p>
+        </p:txBody>
+      </p:sp>
+      <p:sp>
+        <p:nvSpPr>
+          <p:cNvPr id="4" name="Text Box 3"/>
+          <p:cNvSpPr txBox="1"/>
+          <p:nvPr/>
+        </p:nvSpPr>
+        <p:spPr>
+          <a:xfrm>
+            <a:off x="8138795" y="3698240"/>
+            <a:ext cx="3929380" cy="1198880"/>
+          </a:xfrm>
+          <a:prstGeom prst="rect">
+            <a:avLst/>
+          </a:prstGeom>
+          <a:noFill/>
+        </p:spPr>
+        <p:txBody>
+          <a:bodyPr wrap="square" rtlCol="0">
+            <a:spAutoFit/>
+          </a:bodyPr>
+          <a:p>
+            <a:pPr algn="l"/>
+            <a:r>
+              <a:rPr lang="en-US"/>
+              <a:t>1) 32% of the users who are defaulters are the new users.</a:t>
+            </a:r>
+            <a:endParaRPr lang="en-US"/>
+          </a:p>
+          <a:p>
+            <a:pPr algn="l"/>
+            <a:r>
+              <a:rPr lang="en-US"/>
+              <a:t>2) Old Users are trusted and they are mostly non defaulters.</a:t>
+            </a:r>
+            <a:endParaRPr lang="en-US"/>
+          </a:p>
+        </p:txBody>
+      </p:sp>
     </p:spTree>
-    <p:extLst>
-      <p:ext uri="{BB962C8B-B14F-4D97-AF65-F5344CB8AC3E}">
-        <p14:creationId xmlns:p14="http://schemas.microsoft.com/office/powerpoint/2010/main" val="3684538570"/>
-      </p:ext>
-    </p:extLst>
   </p:cSld>
   <p:clrMapOvr>
     <a:masterClrMapping/>
@@ -8837,10 +9890,6 @@
               </a:rPr>
               <a:t>Development and Evaluation </a:t>
             </a:r>
-            <a:r>
-              <a:rPr lang="en-IN" dirty="0"/>
-              <a:t/>
-            </a:r>
             <a:br>
               <a:rPr lang="en-IN" dirty="0"/>
             </a:br>
@@ -8872,6 +9921,7 @@
               <a:rPr lang="en-IN" u="sng" dirty="0" smtClean="0"/>
               <a:t>Identification of possible problem-solving methods</a:t>
             </a:r>
+            <a:endParaRPr lang="en-IN" u="sng" dirty="0" smtClean="0"/>
           </a:p>
           <a:p>
             <a:endParaRPr lang="en-IN" u="sng" dirty="0"/>
@@ -8949,6 +9999,7 @@
               <a:rPr lang="en-US" dirty="0" smtClean="0"/>
               <a:t>.</a:t>
             </a:r>
+            <a:endParaRPr lang="en-US" dirty="0" smtClean="0"/>
           </a:p>
           <a:p>
             <a:r>
@@ -8982,13 +10033,7 @@
         <p:nvGraphicFramePr>
           <p:cNvPr id="12" name="Chart 11"/>
           <p:cNvGraphicFramePr/>
-          <p:nvPr>
-            <p:extLst>
-              <p:ext uri="{D42A27DB-BD31-4B8C-83A1-F6EECF244321}">
-                <p14:modId xmlns:p14="http://schemas.microsoft.com/office/powerpoint/2010/main" val="2570153915"/>
-              </p:ext>
-            </p:extLst>
-          </p:nvPr>
+          <p:nvPr/>
         </p:nvGraphicFramePr>
         <p:xfrm>
           <a:off x="228600" y="2409823"/>
@@ -8996,16 +10041,11 @@
         </p:xfrm>
         <a:graphic>
           <a:graphicData uri="http://schemas.openxmlformats.org/drawingml/2006/chart">
-            <c:chart xmlns:c="http://schemas.openxmlformats.org/drawingml/2006/chart" xmlns:r="http://schemas.openxmlformats.org/officeDocument/2006/relationships" r:id="rId2"/>
+            <c:chart xmlns:c="http://schemas.openxmlformats.org/drawingml/2006/chart" xmlns:r="http://schemas.openxmlformats.org/officeDocument/2006/relationships" r:id="rId1"/>
           </a:graphicData>
         </a:graphic>
       </p:graphicFrame>
     </p:spTree>
-    <p:extLst>
-      <p:ext uri="{BB962C8B-B14F-4D97-AF65-F5344CB8AC3E}">
-        <p14:creationId xmlns:p14="http://schemas.microsoft.com/office/powerpoint/2010/main" val="2534418600"/>
-      </p:ext>
-    </p:extLst>
   </p:cSld>
   <p:clrMapOvr>
     <a:masterClrMapping/>
@@ -9059,16 +10099,29 @@
           <a:p>
             <a:pPr lvl="0"/>
             <a:r>
-              <a:rPr lang="en-IN" dirty="0"/>
+              <a:rPr lang="en-IN" sz="4000" dirty="0">
+                <a:latin typeface="Algerian" panose="04020705040A02060702" pitchFamily="82" charset="0"/>
+                <a:cs typeface="Algerian" panose="04020705040A02060702" pitchFamily="82" charset="0"/>
+              </a:rPr>
               <a:t>Testing of Identified Approaches (</a:t>
             </a:r>
             <a:r>
-              <a:rPr lang="en-IN" dirty="0" smtClean="0"/>
+              <a:rPr lang="en-IN" sz="4000" dirty="0" smtClean="0">
+                <a:latin typeface="Algerian" panose="04020705040A02060702" pitchFamily="82" charset="0"/>
+                <a:cs typeface="Algerian" panose="04020705040A02060702" pitchFamily="82" charset="0"/>
+              </a:rPr>
               <a:t>Algorithms)</a:t>
             </a:r>
-          </a:p>
-          <a:p>
-            <a:pPr lvl="0"/>
+            <a:endParaRPr lang="en-IN" sz="4000" dirty="0" smtClean="0">
+              <a:latin typeface="Algerian" panose="04020705040A02060702" pitchFamily="82" charset="0"/>
+              <a:cs typeface="Algerian" panose="04020705040A02060702" pitchFamily="82" charset="0"/>
+            </a:endParaRPr>
+          </a:p>
+          <a:p>
+            <a:pPr marL="457200" lvl="0" indent="-457200">
+              <a:buFont typeface="+mj-lt"/>
+              <a:buAutoNum type="arabicPeriod"/>
+            </a:pPr>
             <a:r>
               <a:rPr lang="en-IN" dirty="0" err="1"/>
               <a:t>RandomForestClassifier</a:t>
@@ -9080,7 +10133,10 @@
             <a:endParaRPr lang="en-IN" dirty="0" smtClean="0"/>
           </a:p>
           <a:p>
-            <a:pPr lvl="0"/>
+            <a:pPr marL="457200" lvl="0" indent="-457200">
+              <a:buFont typeface="+mj-lt"/>
+              <a:buAutoNum type="arabicPeriod"/>
+            </a:pPr>
             <a:r>
               <a:rPr lang="en-IN" dirty="0" err="1"/>
               <a:t>GradientBoostingClassifier</a:t>
@@ -9092,7 +10148,10 @@
             <a:endParaRPr lang="en-IN" dirty="0" smtClean="0"/>
           </a:p>
           <a:p>
-            <a:pPr lvl="0"/>
+            <a:pPr marL="457200" lvl="0" indent="-457200">
+              <a:buFont typeface="+mj-lt"/>
+              <a:buAutoNum type="arabicPeriod"/>
+            </a:pPr>
             <a:r>
               <a:rPr lang="en-IN" dirty="0" err="1"/>
               <a:t>LogisticRegression</a:t>
@@ -9104,7 +10163,10 @@
             <a:endParaRPr lang="en-IN" dirty="0" smtClean="0"/>
           </a:p>
           <a:p>
-            <a:pPr lvl="0"/>
+            <a:pPr marL="457200" lvl="0" indent="-457200">
+              <a:buFont typeface="+mj-lt"/>
+              <a:buAutoNum type="arabicPeriod"/>
+            </a:pPr>
             <a:r>
               <a:rPr lang="en-IN" dirty="0" err="1"/>
               <a:t>AdaBoostClassifier</a:t>
@@ -9116,7 +10178,10 @@
             <a:endParaRPr lang="en-IN" dirty="0" smtClean="0"/>
           </a:p>
           <a:p>
-            <a:pPr lvl="0"/>
+            <a:pPr marL="457200" lvl="0" indent="-457200">
+              <a:buFont typeface="+mj-lt"/>
+              <a:buAutoNum type="arabicPeriod"/>
+            </a:pPr>
             <a:r>
               <a:rPr lang="en-IN" dirty="0" err="1"/>
               <a:t>ExtraTreesClassifier</a:t>
@@ -9128,7 +10193,10 @@
             <a:endParaRPr lang="en-IN" dirty="0" smtClean="0"/>
           </a:p>
           <a:p>
-            <a:pPr lvl="0"/>
+            <a:pPr marL="457200" lvl="0" indent="-457200">
+              <a:buFont typeface="+mj-lt"/>
+              <a:buAutoNum type="arabicPeriod"/>
+            </a:pPr>
             <a:r>
               <a:rPr lang="en-IN" dirty="0" err="1"/>
               <a:t>XGBClassifier</a:t>
@@ -9138,11 +10206,6 @@
         </p:txBody>
       </p:sp>
     </p:spTree>
-    <p:extLst>
-      <p:ext uri="{BB962C8B-B14F-4D97-AF65-F5344CB8AC3E}">
-        <p14:creationId xmlns:p14="http://schemas.microsoft.com/office/powerpoint/2010/main" val="3938149459"/>
-      </p:ext>
-    </p:extLst>
   </p:cSld>
   <p:clrMapOvr>
     <a:masterClrMapping/>
@@ -9200,7 +10263,7 @@
     </a:clrScheme>
     <a:fontScheme name="Vapor Trail">
       <a:majorFont>
-        <a:latin typeface="Century Gothic" panose="020B0502020202020204"/>
+        <a:latin typeface="Century Gothic"/>
         <a:ea typeface=""/>
         <a:cs typeface=""/>
         <a:font script="Jpan" typeface="ＭＳ Ｐゴシック"/>
@@ -9235,7 +10298,7 @@
         <a:font script="Geor" typeface="Sylfaen"/>
       </a:majorFont>
       <a:minorFont>
-        <a:latin typeface="Century Gothic" panose="020B0502020202020204"/>
+        <a:latin typeface="Century Gothic"/>
         <a:ea typeface=""/>
         <a:cs typeface=""/>
         <a:font script="Jpan" typeface="ＭＳ Ｐゴシック"/>
@@ -9417,11 +10480,9 @@
       </a:bgFillStyleLst>
     </a:fmtScheme>
   </a:themeElements>
-  <a:objectDefaults/>
-  <a:extraClrSchemeLst/>
   <a:extLst>
     <a:ext uri="{05A4C25C-085E-4340-85A3-A5531E510DB2}">
-      <thm15:themeFamily xmlns:thm15="http://schemas.microsoft.com/office/thememl/2012/main" xmlns="" name="Vapor Trail" id="{4FDF2955-7D9C-493C-B9F9-C205151B46CD}" vid="{8F31A783-2159-4870-BC29-2BA7D038EA44}"/>
+      <thm15:themeFamily xmlns:thm15="http://schemas.microsoft.com/office/thememl/2012/main" name="Office Theme" id="{62F939B6-93AF-4DB8-9C6B-D6C7DFDC589F}" vid="{4A3C46E8-61CC-4603-A589-7422A47A8E4A}"/>
     </a:ext>
   </a:extLst>
 </a:theme>
